--- a/observability.pptx
+++ b/observability.pptx
@@ -5,10 +5,10 @@
     <p:sldMasterId id="2147483680" r:id="rId1"/>
   </p:sldMasterIdLst>
   <p:notesMasterIdLst>
-    <p:notesMasterId r:id="rId27"/>
+    <p:notesMasterId r:id="rId35"/>
   </p:notesMasterIdLst>
   <p:handoutMasterIdLst>
-    <p:handoutMasterId r:id="rId28"/>
+    <p:handoutMasterId r:id="rId36"/>
   </p:handoutMasterIdLst>
   <p:sldIdLst>
     <p:sldId id="256" r:id="rId2"/>
@@ -26,16 +26,24 @@
     <p:sldId id="357" r:id="rId14"/>
     <p:sldId id="274" r:id="rId15"/>
     <p:sldId id="342" r:id="rId16"/>
-    <p:sldId id="368" r:id="rId17"/>
-    <p:sldId id="343" r:id="rId18"/>
-    <p:sldId id="358" r:id="rId19"/>
-    <p:sldId id="345" r:id="rId20"/>
-    <p:sldId id="349" r:id="rId21"/>
-    <p:sldId id="350" r:id="rId22"/>
-    <p:sldId id="346" r:id="rId23"/>
-    <p:sldId id="347" r:id="rId24"/>
-    <p:sldId id="348" r:id="rId25"/>
-    <p:sldId id="319" r:id="rId26"/>
+    <p:sldId id="378" r:id="rId17"/>
+    <p:sldId id="374" r:id="rId18"/>
+    <p:sldId id="377" r:id="rId19"/>
+    <p:sldId id="368" r:id="rId20"/>
+    <p:sldId id="343" r:id="rId21"/>
+    <p:sldId id="379" r:id="rId22"/>
+    <p:sldId id="358" r:id="rId23"/>
+    <p:sldId id="345" r:id="rId24"/>
+    <p:sldId id="349" r:id="rId25"/>
+    <p:sldId id="350" r:id="rId26"/>
+    <p:sldId id="346" r:id="rId27"/>
+    <p:sldId id="347" r:id="rId28"/>
+    <p:sldId id="348" r:id="rId29"/>
+    <p:sldId id="369" r:id="rId30"/>
+    <p:sldId id="370" r:id="rId31"/>
+    <p:sldId id="371" r:id="rId32"/>
+    <p:sldId id="372" r:id="rId33"/>
+    <p:sldId id="319" r:id="rId34"/>
   </p:sldIdLst>
   <p:sldSz cx="9144000" cy="6858000" type="screen4x3"/>
   <p:notesSz cx="7315200" cy="9601200"/>
@@ -1322,7 +1330,7 @@
           <a:effectLst/>
           <a:extLst>
             <a:ext uri="{AF507438-7753-43e0-B8FC-AC1667EBCBE1}">
-              <a14:hiddenEffects xmlns:a14="http://schemas.microsoft.com/office/drawing/2010/main" xmlns="">
+              <a14:hiddenEffects xmlns="" xmlns:a14="http://schemas.microsoft.com/office/drawing/2010/main">
                 <a:effectLst>
                   <a:outerShdw blurRad="63500" dist="38099" dir="2700000" algn="ctr" rotWithShape="0">
                     <a:schemeClr val="bg2">
@@ -2578,14 +2586,14 @@
           <a:effectLst/>
           <a:extLst>
             <a:ext uri="{909E8E84-426E-40dd-AFC4-6F175D3DCCD1}">
-              <a14:hiddenFill xmlns:a14="http://schemas.microsoft.com/office/drawing/2010/main" xmlns="">
+              <a14:hiddenFill xmlns="" xmlns:a14="http://schemas.microsoft.com/office/drawing/2010/main">
                 <a:solidFill>
                   <a:schemeClr val="accent1"/>
                 </a:solidFill>
               </a14:hiddenFill>
             </a:ext>
             <a:ext uri="{91240B29-F687-4f45-9708-019B960494DF}">
-              <a14:hiddenLine xmlns:a14="http://schemas.microsoft.com/office/drawing/2010/main" xmlns="" w="9525">
+              <a14:hiddenLine xmlns="" xmlns:a14="http://schemas.microsoft.com/office/drawing/2010/main" w="9525">
                 <a:solidFill>
                   <a:schemeClr val="tx1"/>
                 </a:solidFill>
@@ -2595,7 +2603,7 @@
               </a14:hiddenLine>
             </a:ext>
             <a:ext uri="{AF507438-7753-43e0-B8FC-AC1667EBCBE1}">
-              <a14:hiddenEffects xmlns:a14="http://schemas.microsoft.com/office/drawing/2010/main" xmlns="">
+              <a14:hiddenEffects xmlns="" xmlns:a14="http://schemas.microsoft.com/office/drawing/2010/main">
                 <a:effectLst>
                   <a:outerShdw blurRad="63500" dist="38099" dir="2700000" algn="ctr" rotWithShape="0">
                     <a:schemeClr val="bg2">
@@ -2606,7 +2614,7 @@
               </a14:hiddenEffects>
             </a:ext>
             <a:ext uri="{FAA26D3D-D897-4be2-8F04-BA451C77F1D7}">
-              <ma14:placeholderFlag xmlns:ma14="http://schemas.microsoft.com/office/mac/drawingml/2011/main" xmlns="" val="1"/>
+              <ma14:placeholderFlag xmlns="" xmlns:ma14="http://schemas.microsoft.com/office/mac/drawingml/2011/main" val="1"/>
             </a:ext>
           </a:extLst>
         </p:spPr>
@@ -2651,14 +2659,14 @@
           <a:effectLst/>
           <a:extLst>
             <a:ext uri="{909E8E84-426E-40dd-AFC4-6F175D3DCCD1}">
-              <a14:hiddenFill xmlns:a14="http://schemas.microsoft.com/office/drawing/2010/main" xmlns="">
+              <a14:hiddenFill xmlns="" xmlns:a14="http://schemas.microsoft.com/office/drawing/2010/main">
                 <a:solidFill>
                   <a:schemeClr val="accent1"/>
                 </a:solidFill>
               </a14:hiddenFill>
             </a:ext>
             <a:ext uri="{91240B29-F687-4f45-9708-019B960494DF}">
-              <a14:hiddenLine xmlns:a14="http://schemas.microsoft.com/office/drawing/2010/main" xmlns="" w="9525">
+              <a14:hiddenLine xmlns="" xmlns:a14="http://schemas.microsoft.com/office/drawing/2010/main" w="9525">
                 <a:solidFill>
                   <a:schemeClr val="tx1"/>
                 </a:solidFill>
@@ -2668,7 +2676,7 @@
               </a14:hiddenLine>
             </a:ext>
             <a:ext uri="{AF507438-7753-43e0-B8FC-AC1667EBCBE1}">
-              <a14:hiddenEffects xmlns:a14="http://schemas.microsoft.com/office/drawing/2010/main" xmlns="">
+              <a14:hiddenEffects xmlns="" xmlns:a14="http://schemas.microsoft.com/office/drawing/2010/main">
                 <a:effectLst>
                   <a:outerShdw blurRad="63500" dist="38099" dir="2700000" algn="ctr" rotWithShape="0">
                     <a:schemeClr val="bg2">
@@ -2679,7 +2687,7 @@
               </a14:hiddenEffects>
             </a:ext>
             <a:ext uri="{FAA26D3D-D897-4be2-8F04-BA451C77F1D7}">
-              <ma14:placeholderFlag xmlns:ma14="http://schemas.microsoft.com/office/mac/drawingml/2011/main" xmlns="" val="1"/>
+              <ma14:placeholderFlag xmlns="" xmlns:ma14="http://schemas.microsoft.com/office/mac/drawingml/2011/main" val="1"/>
             </a:ext>
           </a:extLst>
         </p:spPr>
@@ -3726,16 +3734,8 @@
           </a:p>
           <a:p>
             <a:r>
-              <a:rPr lang="en-US" dirty="0"/>
-              <a:t>Loggi</a:t>
-            </a:r>
-            <a:r>
               <a:rPr lang="en-US" b="1" dirty="0"/>
-              <a:t>n</a:t>
-            </a:r>
-            <a:r>
-              <a:rPr lang="en-US" dirty="0"/>
-              <a:t>g</a:t>
+              <a:t>Logging</a:t>
             </a:r>
           </a:p>
           <a:p>
@@ -3743,6 +3743,48 @@
               <a:rPr lang="en-US" dirty="0"/>
               <a:t>Tracing</a:t>
             </a:r>
+          </a:p>
+          <a:p>
+            <a:pPr marL="342900" marR="0" lvl="0" indent="-342900" algn="l" defTabSz="914400" rtl="0" eaLnBrk="1" fontAlgn="base" latinLnBrk="0" hangingPunct="1">
+              <a:lnSpc>
+                <a:spcPct val="100000"/>
+              </a:lnSpc>
+              <a:spcBef>
+                <a:spcPct val="20000"/>
+              </a:spcBef>
+              <a:spcAft>
+                <a:spcPct val="0"/>
+              </a:spcAft>
+              <a:buClr>
+                <a:srgbClr val="005481"/>
+              </a:buClr>
+              <a:buSzTx/>
+              <a:buFont typeface="Times" charset="0"/>
+              <a:buChar char="•"/>
+              <a:tabLst/>
+              <a:defRPr/>
+            </a:pPr>
+            <a:r>
+              <a:rPr lang="en-US" sz="2800" dirty="0">
+                <a:solidFill>
+                  <a:schemeClr val="tx1"/>
+                </a:solidFill>
+                <a:effectLst/>
+                <a:latin typeface="+mn-lt"/>
+                <a:ea typeface="+mn-ea"/>
+                <a:cs typeface="+mn-cs"/>
+              </a:rPr>
+              <a:t>Designing for observability</a:t>
+            </a:r>
+            <a:endParaRPr lang="en-US" sz="2800" dirty="0">
+              <a:effectLst/>
+            </a:endParaRPr>
+          </a:p>
+          <a:p>
+            <a:pPr marL="0" indent="0">
+              <a:buNone/>
+            </a:pPr>
+            <a:endParaRPr lang="en-US" dirty="0"/>
           </a:p>
         </p:txBody>
       </p:sp>
@@ -3994,6 +4036,9 @@
               <a:t>Logs can be voluminous and so daemon may also clean off log file periodically – once the contents have been sent to the back end.</a:t>
             </a:r>
           </a:p>
+          <a:p>
+            <a:endParaRPr lang="en-US" baseline="0" dirty="0"/>
+          </a:p>
         </p:txBody>
       </p:sp>
     </p:spTree>
@@ -4031,7 +4076,7 @@
           <p:cNvPr id="2" name="Title 1">
             <a:extLst>
               <a:ext uri="{FF2B5EF4-FFF2-40B4-BE49-F238E27FC236}">
-                <a16:creationId xmlns:a16="http://schemas.microsoft.com/office/drawing/2014/main" id="{2A4CC5B2-950E-EB47-E48F-C951B3B39D9A}"/>
+                <a16:creationId xmlns:a16="http://schemas.microsoft.com/office/drawing/2014/main" id="{73C703B9-690B-4DB1-6CDB-E0C089F26390}"/>
               </a:ext>
             </a:extLst>
           </p:cNvPr>
@@ -4049,8 +4094,13 @@
           <a:p>
             <a:r>
               <a:rPr lang="en-US" dirty="0"/>
-              <a:t>Log entries</a:t>
-            </a:r>
+              <a:t>Request</a:t>
+            </a:r>
+            <a:r>
+              <a:rPr lang="en-US" baseline="0" dirty="0"/>
+              <a:t> number</a:t>
+            </a:r>
+            <a:endParaRPr lang="en-US" dirty="0"/>
           </a:p>
         </p:txBody>
       </p:sp>
@@ -4059,7 +4109,7 @@
           <p:cNvPr id="3" name="Content Placeholder 2">
             <a:extLst>
               <a:ext uri="{FF2B5EF4-FFF2-40B4-BE49-F238E27FC236}">
-                <a16:creationId xmlns:a16="http://schemas.microsoft.com/office/drawing/2014/main" id="{F5DDD332-AAAA-0786-08EA-C84530A1A729}"/>
+                <a16:creationId xmlns:a16="http://schemas.microsoft.com/office/drawing/2014/main" id="{791B8E39-75FD-76DE-ADA8-E615AEA05163}"/>
               </a:ext>
             </a:extLst>
           </p:cNvPr>
@@ -4077,64 +4127,28 @@
           <a:p>
             <a:r>
               <a:rPr lang="en-US" dirty="0"/>
-              <a:t>Entry</a:t>
+              <a:t>Every request gets a unique</a:t>
             </a:r>
             <a:r>
               <a:rPr lang="en-US" baseline="0" dirty="0"/>
-              <a:t> and exit from service</a:t>
+              <a:t> id when it enters the system.</a:t>
             </a:r>
           </a:p>
           <a:p>
             <a:r>
               <a:rPr lang="en-US" baseline="0" dirty="0"/>
-              <a:t>Other activities that may be of interest</a:t>
-            </a:r>
-          </a:p>
-          <a:p>
-            <a:r>
-              <a:rPr lang="en-US" baseline="0" dirty="0"/>
-              <a:t>Includes</a:t>
-            </a:r>
-          </a:p>
-          <a:p>
-            <a:pPr lvl="1"/>
-            <a:r>
-              <a:rPr lang="en-US" dirty="0"/>
-              <a:t>Id of external</a:t>
-            </a:r>
-            <a:r>
-              <a:rPr lang="en-US" baseline="0" dirty="0"/>
-              <a:t> request</a:t>
-            </a:r>
-          </a:p>
-          <a:p>
-            <a:pPr lvl="1"/>
-            <a:r>
-              <a:rPr lang="en-US" baseline="0" dirty="0"/>
-              <a:t>Service id</a:t>
-            </a:r>
-          </a:p>
-          <a:p>
-            <a:pPr lvl="1"/>
-            <a:r>
-              <a:rPr lang="en-US" baseline="0" dirty="0"/>
-              <a:t>Parameter values</a:t>
-            </a:r>
-          </a:p>
-          <a:p>
-            <a:pPr lvl="1"/>
-            <a:r>
-              <a:rPr lang="en-US" baseline="0" dirty="0"/>
-              <a:t>Queue lengths, disk space, memory usage</a:t>
-            </a:r>
-            <a:endParaRPr lang="en-US" dirty="0"/>
+              <a:t>This id is passed with each message</a:t>
+            </a:r>
+          </a:p>
+          <a:p>
+            <a:endParaRPr lang="en-US" baseline="0" dirty="0"/>
           </a:p>
         </p:txBody>
       </p:sp>
     </p:spTree>
     <p:extLst>
       <p:ext uri="{BB962C8B-B14F-4D97-AF65-F5344CB8AC3E}">
-        <p14:creationId xmlns:p14="http://schemas.microsoft.com/office/powerpoint/2010/main" val="3979703820"/>
+        <p14:creationId xmlns:p14="http://schemas.microsoft.com/office/powerpoint/2010/main" val="2920313026"/>
       </p:ext>
     </p:extLst>
   </p:cSld>
@@ -4166,7 +4180,7 @@
           <p:cNvPr id="2" name="Title 1">
             <a:extLst>
               <a:ext uri="{FF2B5EF4-FFF2-40B4-BE49-F238E27FC236}">
-                <a16:creationId xmlns:a16="http://schemas.microsoft.com/office/drawing/2014/main" id="{EBC96BFF-125A-40DB-8567-81D9D64CCB74}"/>
+                <a16:creationId xmlns:a16="http://schemas.microsoft.com/office/drawing/2014/main" id="{ED93F8DE-4A46-119E-7D9E-EDEC16FB9E3B}"/>
               </a:ext>
             </a:extLst>
           </p:cNvPr>
@@ -4184,7 +4198,7 @@
           <a:p>
             <a:r>
               <a:rPr lang="en-US" dirty="0"/>
-              <a:t>What happened?</a:t>
+              <a:t>Sequencing log entries</a:t>
             </a:r>
           </a:p>
         </p:txBody>
@@ -4194,7 +4208,7 @@
           <p:cNvPr id="3" name="Content Placeholder 2">
             <a:extLst>
               <a:ext uri="{FF2B5EF4-FFF2-40B4-BE49-F238E27FC236}">
-                <a16:creationId xmlns:a16="http://schemas.microsoft.com/office/drawing/2014/main" id="{832BEA77-A325-4CF2-9EC6-22DC0681F5B5}"/>
+                <a16:creationId xmlns:a16="http://schemas.microsoft.com/office/drawing/2014/main" id="{DD7F886A-3536-5668-0A5D-2FC999DD83FF}"/>
               </a:ext>
             </a:extLst>
           </p:cNvPr>
@@ -4212,48 +4226,36 @@
           <a:p>
             <a:r>
               <a:rPr lang="en-US" dirty="0"/>
-              <a:t>Logs are used to </a:t>
+              <a:t>Having</a:t>
             </a:r>
             <a:r>
               <a:rPr lang="en-US" baseline="0" dirty="0"/>
-              <a:t>determine what happened.</a:t>
-            </a:r>
-            <a:r>
-              <a:rPr lang="en-US" dirty="0"/>
-              <a:t> </a:t>
+              <a:t> logs in sequential order is important for troubleshooting.</a:t>
+            </a:r>
+          </a:p>
+          <a:p>
+            <a:r>
+              <a:rPr lang="en-US" baseline="0" dirty="0"/>
+              <a:t>Time stamps are inadequate for this purpose since computer clocks drift and two computers on a network will likely have different times.</a:t>
+            </a:r>
+          </a:p>
+          <a:p>
+            <a:r>
+              <a:rPr lang="en-US" dirty="0" err="1"/>
+              <a:t>Lamport</a:t>
+            </a:r>
+            <a:r>
+              <a:rPr lang="en-US" dirty="0"/>
+              <a:t> clock is early attempt to provide sequence. It provides a partial order among events.</a:t>
             </a:r>
             <a:endParaRPr lang="en-US" baseline="0" dirty="0"/>
-          </a:p>
-          <a:p>
-            <a:r>
-              <a:rPr lang="en-US" dirty="0"/>
-              <a:t>Either</a:t>
-            </a:r>
-          </a:p>
-          <a:p>
-            <a:pPr lvl="1"/>
-            <a:r>
-              <a:rPr lang="en-US" dirty="0"/>
-              <a:t>immediately after an alert to get the system working again or</a:t>
-            </a:r>
-          </a:p>
-          <a:p>
-            <a:pPr lvl="1"/>
-            <a:r>
-              <a:rPr lang="en-US" dirty="0"/>
-              <a:t>later to determine frequent</a:t>
-            </a:r>
-            <a:r>
-              <a:rPr lang="en-US" baseline="0" dirty="0"/>
-              <a:t> types of problems and their causes</a:t>
-            </a:r>
           </a:p>
         </p:txBody>
       </p:sp>
     </p:spTree>
     <p:extLst>
       <p:ext uri="{BB962C8B-B14F-4D97-AF65-F5344CB8AC3E}">
-        <p14:creationId xmlns:p14="http://schemas.microsoft.com/office/powerpoint/2010/main" val="135336899"/>
+        <p14:creationId xmlns:p14="http://schemas.microsoft.com/office/powerpoint/2010/main" val="1799197883"/>
       </p:ext>
     </p:extLst>
   </p:cSld>
@@ -4285,7 +4287,7 @@
           <p:cNvPr id="2" name="Title 1">
             <a:extLst>
               <a:ext uri="{FF2B5EF4-FFF2-40B4-BE49-F238E27FC236}">
-                <a16:creationId xmlns:a16="http://schemas.microsoft.com/office/drawing/2014/main" id="{0A5F6EB4-70CC-4327-95A7-5B19C2A116AC}"/>
+                <a16:creationId xmlns:a16="http://schemas.microsoft.com/office/drawing/2014/main" id="{475E944C-4651-45DA-D7D8-21AD663E20AB}"/>
               </a:ext>
             </a:extLst>
           </p:cNvPr>
@@ -4302,8 +4304,12 @@
           <a:lstStyle/>
           <a:p>
             <a:r>
-              <a:rPr lang="en-US" dirty="0"/>
-              <a:t>Outline</a:t>
+              <a:rPr lang="en-US" dirty="0" err="1"/>
+              <a:t>Lamport</a:t>
+            </a:r>
+            <a:r>
+              <a:rPr lang="en-US" dirty="0"/>
+              <a:t> clock</a:t>
             </a:r>
           </a:p>
         </p:txBody>
@@ -4313,7 +4319,7 @@
           <p:cNvPr id="3" name="Content Placeholder 2">
             <a:extLst>
               <a:ext uri="{FF2B5EF4-FFF2-40B4-BE49-F238E27FC236}">
-                <a16:creationId xmlns:a16="http://schemas.microsoft.com/office/drawing/2014/main" id="{8D104752-81D2-4624-B845-5C28ECBB484C}"/>
+                <a16:creationId xmlns:a16="http://schemas.microsoft.com/office/drawing/2014/main" id="{50E1C566-DDFB-E17A-60EC-1EBFDB32313A}"/>
               </a:ext>
             </a:extLst>
           </p:cNvPr>
@@ -4324,40 +4330,60 @@
             <p:ph idx="1"/>
           </p:nvPr>
         </p:nvSpPr>
-        <p:spPr/>
+        <p:spPr>
+          <a:xfrm>
+            <a:off x="685800" y="1981200"/>
+            <a:ext cx="8001000" cy="4038600"/>
+          </a:xfrm>
+        </p:spPr>
         <p:txBody>
           <a:bodyPr/>
           <a:lstStyle/>
           <a:p>
-            <a:r>
-              <a:rPr lang="en-US" b="0" dirty="0"/>
-              <a:t>Introduction</a:t>
-            </a:r>
-          </a:p>
-          <a:p>
-            <a:r>
-              <a:rPr lang="en-US" dirty="0"/>
-              <a:t>Utilization</a:t>
-            </a:r>
-          </a:p>
-          <a:p>
-            <a:r>
-              <a:rPr lang="en-US" dirty="0"/>
-              <a:t>Logging</a:t>
-            </a:r>
-          </a:p>
-          <a:p>
-            <a:r>
-              <a:rPr lang="en-US" b="1" dirty="0"/>
-              <a:t>Tracing</a:t>
-            </a:r>
+            <a:pPr marL="514350" indent="-514350">
+              <a:buFont typeface="+mj-lt"/>
+              <a:buAutoNum type="arabicPeriod"/>
+            </a:pPr>
+            <a:r>
+              <a:rPr lang="en-US" sz="2400" dirty="0"/>
+              <a:t>A process increments its counter before each message sending event);</a:t>
+            </a:r>
+          </a:p>
+          <a:p>
+            <a:pPr marL="514350" indent="-514350">
+              <a:buFont typeface="+mj-lt"/>
+              <a:buAutoNum type="arabicPeriod"/>
+            </a:pPr>
+            <a:r>
+              <a:rPr lang="en-US" sz="2400" dirty="0"/>
+              <a:t>When a process sends a message, it includes its counter value with the message after executing step 1</a:t>
+            </a:r>
+          </a:p>
+          <a:p>
+            <a:pPr marL="514350" indent="-514350">
+              <a:buFont typeface="+mj-lt"/>
+              <a:buAutoNum type="arabicPeriod"/>
+            </a:pPr>
+            <a:r>
+              <a:rPr lang="en-US" sz="2400" dirty="0"/>
+              <a:t>On receiving a message, the counter of the recipient is updated, if necessary, to the greater of its current counter and the counter in the received message. The counter is then incremented by 1 before the message is considered received.</a:t>
+            </a:r>
+          </a:p>
+          <a:p>
+            <a:pPr marL="0" indent="0">
+              <a:buNone/>
+            </a:pPr>
+            <a:br>
+              <a:rPr lang="en-US" dirty="0"/>
+            </a:br>
+            <a:endParaRPr lang="en-US" dirty="0"/>
           </a:p>
         </p:txBody>
       </p:sp>
     </p:spTree>
     <p:extLst>
       <p:ext uri="{BB962C8B-B14F-4D97-AF65-F5344CB8AC3E}">
-        <p14:creationId xmlns:p14="http://schemas.microsoft.com/office/powerpoint/2010/main" val="1751546653"/>
+        <p14:creationId xmlns:p14="http://schemas.microsoft.com/office/powerpoint/2010/main" val="3995471931"/>
       </p:ext>
     </p:extLst>
   </p:cSld>
@@ -4389,7 +4415,7 @@
           <p:cNvPr id="2" name="Title 1">
             <a:extLst>
               <a:ext uri="{FF2B5EF4-FFF2-40B4-BE49-F238E27FC236}">
-                <a16:creationId xmlns:a16="http://schemas.microsoft.com/office/drawing/2014/main" id="{5390625B-BBFD-4A3B-B9C1-1A2B0B02392F}"/>
+                <a16:creationId xmlns:a16="http://schemas.microsoft.com/office/drawing/2014/main" id="{2A4CC5B2-950E-EB47-E48F-C951B3B39D9A}"/>
               </a:ext>
             </a:extLst>
           </p:cNvPr>
@@ -4407,7 +4433,7 @@
           <a:p>
             <a:r>
               <a:rPr lang="en-US" dirty="0"/>
-              <a:t>Tracing</a:t>
+              <a:t>Log entries</a:t>
             </a:r>
           </a:p>
         </p:txBody>
@@ -4417,7 +4443,7 @@
           <p:cNvPr id="3" name="Content Placeholder 2">
             <a:extLst>
               <a:ext uri="{FF2B5EF4-FFF2-40B4-BE49-F238E27FC236}">
-                <a16:creationId xmlns:a16="http://schemas.microsoft.com/office/drawing/2014/main" id="{594811E5-8BFC-47A3-BB82-8B5CDECC998B}"/>
+                <a16:creationId xmlns:a16="http://schemas.microsoft.com/office/drawing/2014/main" id="{F5DDD332-AAAA-0786-08EA-C84530A1A729}"/>
               </a:ext>
             </a:extLst>
           </p:cNvPr>
@@ -4435,51 +4461,79 @@
           <a:p>
             <a:r>
               <a:rPr lang="en-US" dirty="0"/>
-              <a:t>Tracing provides an end to end picture of a request.</a:t>
+              <a:t>Entry</a:t>
+            </a:r>
+            <a:r>
+              <a:rPr lang="en-US" baseline="0" dirty="0"/>
+              <a:t> and exit from service</a:t>
+            </a:r>
+          </a:p>
+          <a:p>
+            <a:r>
+              <a:rPr lang="en-US" baseline="0" dirty="0"/>
+              <a:t>Other activities that may be of interest</a:t>
+            </a:r>
+          </a:p>
+          <a:p>
+            <a:r>
+              <a:rPr lang="en-US" baseline="0" dirty="0"/>
+              <a:t>Includes</a:t>
             </a:r>
           </a:p>
           <a:p>
             <a:pPr lvl="1"/>
             <a:r>
               <a:rPr lang="en-US" dirty="0"/>
-              <a:t>Utilization helps determine whether there is a problem.</a:t>
+              <a:t>Id of </a:t>
+            </a:r>
+            <a:r>
+              <a:rPr lang="en-US"/>
+              <a:t>external</a:t>
+            </a:r>
+            <a:r>
+              <a:rPr lang="en-US" baseline="0"/>
+              <a:t> request</a:t>
             </a:r>
           </a:p>
           <a:p>
             <a:pPr lvl="1"/>
             <a:r>
-              <a:rPr lang="en-US" dirty="0"/>
-              <a:t>Logging</a:t>
+              <a:rPr lang="en-US" baseline="0"/>
+              <a:t>clock </a:t>
             </a:r>
             <a:r>
               <a:rPr lang="en-US" baseline="0" dirty="0"/>
-              <a:t> provides picture of a single event</a:t>
+              <a:t>sequence number</a:t>
             </a:r>
           </a:p>
           <a:p>
             <a:pPr lvl="1"/>
             <a:r>
               <a:rPr lang="en-US" baseline="0" dirty="0"/>
-              <a:t>Tracing provides a sequence of events</a:t>
-            </a:r>
-          </a:p>
-          <a:p>
-            <a:pPr lvl="0"/>
-            <a:r>
-              <a:rPr lang="en-US" dirty="0"/>
-              <a:t>Tracing</a:t>
-            </a:r>
+              <a:t>Service id</a:t>
+            </a:r>
+          </a:p>
+          <a:p>
+            <a:pPr lvl="1"/>
             <a:r>
               <a:rPr lang="en-US" baseline="0" dirty="0"/>
-              <a:t> is used to understand the big picture</a:t>
-            </a:r>
+              <a:t>Parameter values</a:t>
+            </a:r>
+          </a:p>
+          <a:p>
+            <a:pPr lvl="1"/>
+            <a:r>
+              <a:rPr lang="en-US" baseline="0" dirty="0"/>
+              <a:t>Queue lengths, disk space, memory usage</a:t>
+            </a:r>
+            <a:endParaRPr lang="en-US" dirty="0"/>
           </a:p>
         </p:txBody>
       </p:sp>
     </p:spTree>
     <p:extLst>
       <p:ext uri="{BB962C8B-B14F-4D97-AF65-F5344CB8AC3E}">
-        <p14:creationId xmlns:p14="http://schemas.microsoft.com/office/powerpoint/2010/main" val="619650691"/>
+        <p14:creationId xmlns:p14="http://schemas.microsoft.com/office/powerpoint/2010/main" val="3979703820"/>
       </p:ext>
     </p:extLst>
   </p:cSld>
@@ -4577,6 +4631,12 @@
             <a:r>
               <a:rPr lang="en-US" dirty="0"/>
               <a:t>Tracing</a:t>
+            </a:r>
+          </a:p>
+          <a:p>
+            <a:r>
+              <a:rPr lang="en-US" dirty="0"/>
+              <a:t>Designing for observability</a:t>
             </a:r>
           </a:p>
         </p:txBody>
@@ -4616,6 +4676,487 @@
           <p:cNvPr id="2" name="Title 1">
             <a:extLst>
               <a:ext uri="{FF2B5EF4-FFF2-40B4-BE49-F238E27FC236}">
+                <a16:creationId xmlns:a16="http://schemas.microsoft.com/office/drawing/2014/main" id="{EBC96BFF-125A-40DB-8567-81D9D64CCB74}"/>
+              </a:ext>
+            </a:extLst>
+          </p:cNvPr>
+          <p:cNvSpPr>
+            <a:spLocks noGrp="1"/>
+          </p:cNvSpPr>
+          <p:nvPr>
+            <p:ph type="title"/>
+          </p:nvPr>
+        </p:nvSpPr>
+        <p:spPr/>
+        <p:txBody>
+          <a:bodyPr/>
+          <a:lstStyle/>
+          <a:p>
+            <a:r>
+              <a:rPr lang="en-US" dirty="0"/>
+              <a:t>What happened?</a:t>
+            </a:r>
+          </a:p>
+        </p:txBody>
+      </p:sp>
+      <p:sp>
+        <p:nvSpPr>
+          <p:cNvPr id="3" name="Content Placeholder 2">
+            <a:extLst>
+              <a:ext uri="{FF2B5EF4-FFF2-40B4-BE49-F238E27FC236}">
+                <a16:creationId xmlns:a16="http://schemas.microsoft.com/office/drawing/2014/main" id="{832BEA77-A325-4CF2-9EC6-22DC0681F5B5}"/>
+              </a:ext>
+            </a:extLst>
+          </p:cNvPr>
+          <p:cNvSpPr>
+            <a:spLocks noGrp="1"/>
+          </p:cNvSpPr>
+          <p:nvPr>
+            <p:ph idx="1"/>
+          </p:nvPr>
+        </p:nvSpPr>
+        <p:spPr/>
+        <p:txBody>
+          <a:bodyPr/>
+          <a:lstStyle/>
+          <a:p>
+            <a:r>
+              <a:rPr lang="en-US" dirty="0"/>
+              <a:t>Logs are used to </a:t>
+            </a:r>
+            <a:r>
+              <a:rPr lang="en-US" baseline="0" dirty="0"/>
+              <a:t>determine what happened.</a:t>
+            </a:r>
+            <a:r>
+              <a:rPr lang="en-US" dirty="0"/>
+              <a:t> </a:t>
+            </a:r>
+            <a:endParaRPr lang="en-US" baseline="0" dirty="0"/>
+          </a:p>
+          <a:p>
+            <a:r>
+              <a:rPr lang="en-US" dirty="0"/>
+              <a:t>Either</a:t>
+            </a:r>
+          </a:p>
+          <a:p>
+            <a:pPr lvl="1"/>
+            <a:r>
+              <a:rPr lang="en-US" dirty="0"/>
+              <a:t>immediately after an alert to get the system working again or</a:t>
+            </a:r>
+          </a:p>
+          <a:p>
+            <a:pPr lvl="1"/>
+            <a:r>
+              <a:rPr lang="en-US" dirty="0"/>
+              <a:t>later to determine frequent</a:t>
+            </a:r>
+            <a:r>
+              <a:rPr lang="en-US" baseline="0" dirty="0"/>
+              <a:t> types of problems and their causes</a:t>
+            </a:r>
+          </a:p>
+        </p:txBody>
+      </p:sp>
+    </p:spTree>
+    <p:extLst>
+      <p:ext uri="{BB962C8B-B14F-4D97-AF65-F5344CB8AC3E}">
+        <p14:creationId xmlns:p14="http://schemas.microsoft.com/office/powerpoint/2010/main" val="135336899"/>
+      </p:ext>
+    </p:extLst>
+  </p:cSld>
+  <p:clrMapOvr>
+    <a:masterClrMapping/>
+  </p:clrMapOvr>
+</p:sld>
+</file>
+
+<file path=ppt/slides/slide21.xml><?xml version="1.0" encoding="utf-8"?>
+<p:sld xmlns:a="http://schemas.openxmlformats.org/drawingml/2006/main" xmlns:r="http://schemas.openxmlformats.org/officeDocument/2006/relationships" xmlns:p="http://schemas.openxmlformats.org/presentationml/2006/main">
+  <p:cSld>
+    <p:spTree>
+      <p:nvGrpSpPr>
+        <p:cNvPr id="1" name=""/>
+        <p:cNvGrpSpPr/>
+        <p:nvPr/>
+      </p:nvGrpSpPr>
+      <p:grpSpPr>
+        <a:xfrm>
+          <a:off x="0" y="0"/>
+          <a:ext cx="0" cy="0"/>
+          <a:chOff x="0" y="0"/>
+          <a:chExt cx="0" cy="0"/>
+        </a:xfrm>
+      </p:grpSpPr>
+      <p:sp>
+        <p:nvSpPr>
+          <p:cNvPr id="2" name="Title 1">
+            <a:extLst>
+              <a:ext uri="{FF2B5EF4-FFF2-40B4-BE49-F238E27FC236}">
+                <a16:creationId xmlns:a16="http://schemas.microsoft.com/office/drawing/2014/main" id="{2C0FD300-9CB6-BBBF-0B0E-3243F6C6904E}"/>
+              </a:ext>
+            </a:extLst>
+          </p:cNvPr>
+          <p:cNvSpPr>
+            <a:spLocks noGrp="1"/>
+          </p:cNvSpPr>
+          <p:nvPr>
+            <p:ph type="title"/>
+          </p:nvPr>
+        </p:nvSpPr>
+        <p:spPr/>
+        <p:txBody>
+          <a:bodyPr/>
+          <a:lstStyle/>
+          <a:p>
+            <a:r>
+              <a:rPr lang="en-US" dirty="0"/>
+              <a:t>Playback</a:t>
+            </a:r>
+          </a:p>
+        </p:txBody>
+      </p:sp>
+      <p:sp>
+        <p:nvSpPr>
+          <p:cNvPr id="3" name="Content Placeholder 2">
+            <a:extLst>
+              <a:ext uri="{FF2B5EF4-FFF2-40B4-BE49-F238E27FC236}">
+                <a16:creationId xmlns:a16="http://schemas.microsoft.com/office/drawing/2014/main" id="{993288C0-74A2-A2CF-9C4F-0B6DD190DC5F}"/>
+              </a:ext>
+            </a:extLst>
+          </p:cNvPr>
+          <p:cNvSpPr>
+            <a:spLocks noGrp="1"/>
+          </p:cNvSpPr>
+          <p:nvPr>
+            <p:ph idx="1"/>
+          </p:nvPr>
+        </p:nvSpPr>
+        <p:spPr/>
+        <p:txBody>
+          <a:bodyPr/>
+          <a:lstStyle/>
+          <a:p>
+            <a:r>
+              <a:rPr lang="en-US" dirty="0"/>
+              <a:t>Logs can also be used to play back a sequence of events during trouble shooting.</a:t>
+            </a:r>
+          </a:p>
+          <a:p>
+            <a:r>
+              <a:rPr lang="en-US" dirty="0"/>
+              <a:t>The input to a service consists of its entry log (and necessary</a:t>
+            </a:r>
+            <a:r>
+              <a:rPr lang="en-US" baseline="0" dirty="0"/>
+              <a:t> state). The service can then be run under the control of a debugger to find problems.</a:t>
+            </a:r>
+            <a:endParaRPr lang="en-US" dirty="0"/>
+          </a:p>
+        </p:txBody>
+      </p:sp>
+    </p:spTree>
+    <p:extLst>
+      <p:ext uri="{BB962C8B-B14F-4D97-AF65-F5344CB8AC3E}">
+        <p14:creationId xmlns:p14="http://schemas.microsoft.com/office/powerpoint/2010/main" val="2732720842"/>
+      </p:ext>
+    </p:extLst>
+  </p:cSld>
+  <p:clrMapOvr>
+    <a:masterClrMapping/>
+  </p:clrMapOvr>
+</p:sld>
+</file>
+
+<file path=ppt/slides/slide22.xml><?xml version="1.0" encoding="utf-8"?>
+<p:sld xmlns:a="http://schemas.openxmlformats.org/drawingml/2006/main" xmlns:r="http://schemas.openxmlformats.org/officeDocument/2006/relationships" xmlns:p="http://schemas.openxmlformats.org/presentationml/2006/main">
+  <p:cSld>
+    <p:spTree>
+      <p:nvGrpSpPr>
+        <p:cNvPr id="1" name=""/>
+        <p:cNvGrpSpPr/>
+        <p:nvPr/>
+      </p:nvGrpSpPr>
+      <p:grpSpPr>
+        <a:xfrm>
+          <a:off x="0" y="0"/>
+          <a:ext cx="0" cy="0"/>
+          <a:chOff x="0" y="0"/>
+          <a:chExt cx="0" cy="0"/>
+        </a:xfrm>
+      </p:grpSpPr>
+      <p:sp>
+        <p:nvSpPr>
+          <p:cNvPr id="2" name="Title 1">
+            <a:extLst>
+              <a:ext uri="{FF2B5EF4-FFF2-40B4-BE49-F238E27FC236}">
+                <a16:creationId xmlns:a16="http://schemas.microsoft.com/office/drawing/2014/main" id="{0A5F6EB4-70CC-4327-95A7-5B19C2A116AC}"/>
+              </a:ext>
+            </a:extLst>
+          </p:cNvPr>
+          <p:cNvSpPr>
+            <a:spLocks noGrp="1"/>
+          </p:cNvSpPr>
+          <p:nvPr>
+            <p:ph type="title"/>
+          </p:nvPr>
+        </p:nvSpPr>
+        <p:spPr/>
+        <p:txBody>
+          <a:bodyPr/>
+          <a:lstStyle/>
+          <a:p>
+            <a:r>
+              <a:rPr lang="en-US" dirty="0"/>
+              <a:t>Outline</a:t>
+            </a:r>
+          </a:p>
+        </p:txBody>
+      </p:sp>
+      <p:sp>
+        <p:nvSpPr>
+          <p:cNvPr id="3" name="Content Placeholder 2">
+            <a:extLst>
+              <a:ext uri="{FF2B5EF4-FFF2-40B4-BE49-F238E27FC236}">
+                <a16:creationId xmlns:a16="http://schemas.microsoft.com/office/drawing/2014/main" id="{8D104752-81D2-4624-B845-5C28ECBB484C}"/>
+              </a:ext>
+            </a:extLst>
+          </p:cNvPr>
+          <p:cNvSpPr>
+            <a:spLocks noGrp="1"/>
+          </p:cNvSpPr>
+          <p:nvPr>
+            <p:ph idx="1"/>
+          </p:nvPr>
+        </p:nvSpPr>
+        <p:spPr/>
+        <p:txBody>
+          <a:bodyPr/>
+          <a:lstStyle/>
+          <a:p>
+            <a:r>
+              <a:rPr lang="en-US" b="0" dirty="0"/>
+              <a:t>Introduction</a:t>
+            </a:r>
+          </a:p>
+          <a:p>
+            <a:r>
+              <a:rPr lang="en-US" dirty="0"/>
+              <a:t>Utilization</a:t>
+            </a:r>
+          </a:p>
+          <a:p>
+            <a:r>
+              <a:rPr lang="en-US" dirty="0"/>
+              <a:t>Logging</a:t>
+            </a:r>
+          </a:p>
+          <a:p>
+            <a:r>
+              <a:rPr lang="en-US" b="1" dirty="0"/>
+              <a:t>Tracing</a:t>
+            </a:r>
+          </a:p>
+          <a:p>
+            <a:pPr marL="342900" marR="0" lvl="0" indent="-342900" algn="l" defTabSz="914400" rtl="0" eaLnBrk="1" fontAlgn="base" latinLnBrk="0" hangingPunct="1">
+              <a:lnSpc>
+                <a:spcPct val="100000"/>
+              </a:lnSpc>
+              <a:spcBef>
+                <a:spcPct val="20000"/>
+              </a:spcBef>
+              <a:spcAft>
+                <a:spcPct val="0"/>
+              </a:spcAft>
+              <a:buClr>
+                <a:srgbClr val="005481"/>
+              </a:buClr>
+              <a:buSzTx/>
+              <a:buFont typeface="Times" charset="0"/>
+              <a:buChar char="•"/>
+              <a:tabLst/>
+              <a:defRPr/>
+            </a:pPr>
+            <a:r>
+              <a:rPr lang="en-US" sz="2800" dirty="0">
+                <a:solidFill>
+                  <a:schemeClr val="tx1"/>
+                </a:solidFill>
+                <a:effectLst/>
+                <a:latin typeface="+mn-lt"/>
+                <a:ea typeface="+mn-ea"/>
+                <a:cs typeface="+mn-cs"/>
+              </a:rPr>
+              <a:t>Designing for observability</a:t>
+            </a:r>
+            <a:endParaRPr lang="en-US" sz="2800" dirty="0">
+              <a:effectLst/>
+            </a:endParaRPr>
+          </a:p>
+          <a:p>
+            <a:endParaRPr lang="en-US" b="1" dirty="0"/>
+          </a:p>
+        </p:txBody>
+      </p:sp>
+    </p:spTree>
+    <p:extLst>
+      <p:ext uri="{BB962C8B-B14F-4D97-AF65-F5344CB8AC3E}">
+        <p14:creationId xmlns:p14="http://schemas.microsoft.com/office/powerpoint/2010/main" val="1751546653"/>
+      </p:ext>
+    </p:extLst>
+  </p:cSld>
+  <p:clrMapOvr>
+    <a:masterClrMapping/>
+  </p:clrMapOvr>
+</p:sld>
+</file>
+
+<file path=ppt/slides/slide23.xml><?xml version="1.0" encoding="utf-8"?>
+<p:sld xmlns:a="http://schemas.openxmlformats.org/drawingml/2006/main" xmlns:r="http://schemas.openxmlformats.org/officeDocument/2006/relationships" xmlns:p="http://schemas.openxmlformats.org/presentationml/2006/main">
+  <p:cSld>
+    <p:spTree>
+      <p:nvGrpSpPr>
+        <p:cNvPr id="1" name=""/>
+        <p:cNvGrpSpPr/>
+        <p:nvPr/>
+      </p:nvGrpSpPr>
+      <p:grpSpPr>
+        <a:xfrm>
+          <a:off x="0" y="0"/>
+          <a:ext cx="0" cy="0"/>
+          <a:chOff x="0" y="0"/>
+          <a:chExt cx="0" cy="0"/>
+        </a:xfrm>
+      </p:grpSpPr>
+      <p:sp>
+        <p:nvSpPr>
+          <p:cNvPr id="2" name="Title 1">
+            <a:extLst>
+              <a:ext uri="{FF2B5EF4-FFF2-40B4-BE49-F238E27FC236}">
+                <a16:creationId xmlns:a16="http://schemas.microsoft.com/office/drawing/2014/main" id="{5390625B-BBFD-4A3B-B9C1-1A2B0B02392F}"/>
+              </a:ext>
+            </a:extLst>
+          </p:cNvPr>
+          <p:cNvSpPr>
+            <a:spLocks noGrp="1"/>
+          </p:cNvSpPr>
+          <p:nvPr>
+            <p:ph type="title"/>
+          </p:nvPr>
+        </p:nvSpPr>
+        <p:spPr/>
+        <p:txBody>
+          <a:bodyPr/>
+          <a:lstStyle/>
+          <a:p>
+            <a:r>
+              <a:rPr lang="en-US" dirty="0"/>
+              <a:t>Tracing</a:t>
+            </a:r>
+          </a:p>
+        </p:txBody>
+      </p:sp>
+      <p:sp>
+        <p:nvSpPr>
+          <p:cNvPr id="3" name="Content Placeholder 2">
+            <a:extLst>
+              <a:ext uri="{FF2B5EF4-FFF2-40B4-BE49-F238E27FC236}">
+                <a16:creationId xmlns:a16="http://schemas.microsoft.com/office/drawing/2014/main" id="{594811E5-8BFC-47A3-BB82-8B5CDECC998B}"/>
+              </a:ext>
+            </a:extLst>
+          </p:cNvPr>
+          <p:cNvSpPr>
+            <a:spLocks noGrp="1"/>
+          </p:cNvSpPr>
+          <p:nvPr>
+            <p:ph idx="1"/>
+          </p:nvPr>
+        </p:nvSpPr>
+        <p:spPr/>
+        <p:txBody>
+          <a:bodyPr/>
+          <a:lstStyle/>
+          <a:p>
+            <a:r>
+              <a:rPr lang="en-US" dirty="0"/>
+              <a:t>Tracing provides an end to end picture of a request.</a:t>
+            </a:r>
+          </a:p>
+          <a:p>
+            <a:pPr lvl="1"/>
+            <a:r>
+              <a:rPr lang="en-US" dirty="0"/>
+              <a:t>Utilization helps determine whether there is a problem.</a:t>
+            </a:r>
+          </a:p>
+          <a:p>
+            <a:pPr lvl="1"/>
+            <a:r>
+              <a:rPr lang="en-US" dirty="0"/>
+              <a:t>Logging</a:t>
+            </a:r>
+            <a:r>
+              <a:rPr lang="en-US" baseline="0" dirty="0"/>
+              <a:t> provides picture of a single event</a:t>
+            </a:r>
+          </a:p>
+          <a:p>
+            <a:pPr lvl="1"/>
+            <a:r>
+              <a:rPr lang="en-US" baseline="0" dirty="0"/>
+              <a:t>Tracing provides a sequence of events</a:t>
+            </a:r>
+          </a:p>
+          <a:p>
+            <a:pPr lvl="0"/>
+            <a:r>
+              <a:rPr lang="en-US" dirty="0"/>
+              <a:t>Tracing</a:t>
+            </a:r>
+            <a:r>
+              <a:rPr lang="en-US" baseline="0" dirty="0"/>
+              <a:t> is used to understand the big picture</a:t>
+            </a:r>
+          </a:p>
+        </p:txBody>
+      </p:sp>
+    </p:spTree>
+    <p:extLst>
+      <p:ext uri="{BB962C8B-B14F-4D97-AF65-F5344CB8AC3E}">
+        <p14:creationId xmlns:p14="http://schemas.microsoft.com/office/powerpoint/2010/main" val="619650691"/>
+      </p:ext>
+    </p:extLst>
+  </p:cSld>
+  <p:clrMapOvr>
+    <a:masterClrMapping/>
+  </p:clrMapOvr>
+</p:sld>
+</file>
+
+<file path=ppt/slides/slide24.xml><?xml version="1.0" encoding="utf-8"?>
+<p:sld xmlns:a="http://schemas.openxmlformats.org/drawingml/2006/main" xmlns:r="http://schemas.openxmlformats.org/officeDocument/2006/relationships" xmlns:p="http://schemas.openxmlformats.org/presentationml/2006/main">
+  <p:cSld>
+    <p:spTree>
+      <p:nvGrpSpPr>
+        <p:cNvPr id="1" name=""/>
+        <p:cNvGrpSpPr/>
+        <p:nvPr/>
+      </p:nvGrpSpPr>
+      <p:grpSpPr>
+        <a:xfrm>
+          <a:off x="0" y="0"/>
+          <a:ext cx="0" cy="0"/>
+          <a:chOff x="0" y="0"/>
+          <a:chExt cx="0" cy="0"/>
+        </a:xfrm>
+      </p:grpSpPr>
+      <p:sp>
+        <p:nvSpPr>
+          <p:cNvPr id="2" name="Title 1">
+            <a:extLst>
+              <a:ext uri="{FF2B5EF4-FFF2-40B4-BE49-F238E27FC236}">
                 <a16:creationId xmlns:a16="http://schemas.microsoft.com/office/drawing/2014/main" id="{952ACBDB-1F41-4AF5-8511-E40DCD916EA3}"/>
               </a:ext>
             </a:extLst>
@@ -4731,7 +5272,7 @@
 </p:sld>
 </file>
 
-<file path=ppt/slides/slide21.xml><?xml version="1.0" encoding="utf-8"?>
+<file path=ppt/slides/slide25.xml><?xml version="1.0" encoding="utf-8"?>
 <p:sld xmlns:a="http://schemas.openxmlformats.org/drawingml/2006/main" xmlns:r="http://schemas.openxmlformats.org/officeDocument/2006/relationships" xmlns:p="http://schemas.openxmlformats.org/presentationml/2006/main">
   <p:cSld>
     <p:spTree>
@@ -4871,7 +5412,7 @@
 </p:sld>
 </file>
 
-<file path=ppt/slides/slide22.xml><?xml version="1.0" encoding="utf-8"?>
+<file path=ppt/slides/slide26.xml><?xml version="1.0" encoding="utf-8"?>
 <p:sld xmlns:a="http://schemas.openxmlformats.org/drawingml/2006/main" xmlns:r="http://schemas.openxmlformats.org/officeDocument/2006/relationships" xmlns:p="http://schemas.openxmlformats.org/presentationml/2006/main">
   <p:cSld>
     <p:spTree>
@@ -4984,7 +5525,7 @@
 </p:sld>
 </file>
 
-<file path=ppt/slides/slide23.xml><?xml version="1.0" encoding="utf-8"?>
+<file path=ppt/slides/slide27.xml><?xml version="1.0" encoding="utf-8"?>
 <p:sld xmlns:a="http://schemas.openxmlformats.org/drawingml/2006/main" xmlns:r="http://schemas.openxmlformats.org/officeDocument/2006/relationships" xmlns:p="http://schemas.openxmlformats.org/presentationml/2006/main">
   <p:cSld>
     <p:spTree>
@@ -5097,7 +5638,7 @@
 </p:sld>
 </file>
 
-<file path=ppt/slides/slide24.xml><?xml version="1.0" encoding="utf-8"?>
+<file path=ppt/slides/slide28.xml><?xml version="1.0" encoding="utf-8"?>
 <p:sld xmlns:a="http://schemas.openxmlformats.org/drawingml/2006/main" xmlns:r="http://schemas.openxmlformats.org/officeDocument/2006/relationships" xmlns:p="http://schemas.openxmlformats.org/presentationml/2006/main">
   <p:cSld>
     <p:spTree>
@@ -5204,6 +5745,9 @@
               <a:t>Bottleneck determination. Where is the most time being spent in a collection of transactions?</a:t>
             </a:r>
           </a:p>
+          <a:p>
+            <a:endParaRPr lang="en-US" dirty="0"/>
+          </a:p>
         </p:txBody>
       </p:sp>
     </p:spTree>
@@ -5219,7 +5763,7 @@
 </p:sld>
 </file>
 
-<file path=ppt/slides/slide25.xml><?xml version="1.0" encoding="utf-8"?>
+<file path=ppt/slides/slide29.xml><?xml version="1.0" encoding="utf-8"?>
 <p:sld xmlns:a="http://schemas.openxmlformats.org/drawingml/2006/main" xmlns:r="http://schemas.openxmlformats.org/officeDocument/2006/relationships" xmlns:p="http://schemas.openxmlformats.org/presentationml/2006/main">
   <p:cSld>
     <p:spTree>
@@ -5241,7 +5785,7 @@
           <p:cNvPr id="2" name="Title 1">
             <a:extLst>
               <a:ext uri="{FF2B5EF4-FFF2-40B4-BE49-F238E27FC236}">
-                <a16:creationId xmlns:a16="http://schemas.microsoft.com/office/drawing/2014/main" id="{5D710504-1B90-4184-802E-48ED7CB94D1F}"/>
+                <a16:creationId xmlns:a16="http://schemas.microsoft.com/office/drawing/2014/main" id="{0A5F6EB4-70CC-4327-95A7-5B19C2A116AC}"/>
               </a:ext>
             </a:extLst>
           </p:cNvPr>
@@ -5259,7 +5803,7 @@
           <a:p>
             <a:r>
               <a:rPr lang="en-US" dirty="0"/>
-              <a:t>Summary</a:t>
+              <a:t>Outline</a:t>
             </a:r>
           </a:p>
         </p:txBody>
@@ -5269,7 +5813,7 @@
           <p:cNvPr id="3" name="Content Placeholder 2">
             <a:extLst>
               <a:ext uri="{FF2B5EF4-FFF2-40B4-BE49-F238E27FC236}">
-                <a16:creationId xmlns:a16="http://schemas.microsoft.com/office/drawing/2014/main" id="{5F839EFE-94B9-4EB4-9099-22D52770D445}"/>
+                <a16:creationId xmlns:a16="http://schemas.microsoft.com/office/drawing/2014/main" id="{8D104752-81D2-4624-B845-5C28ECBB484C}"/>
               </a:ext>
             </a:extLst>
           </p:cNvPr>
@@ -5286,20 +5830,59 @@
           <a:lstStyle/>
           <a:p>
             <a:r>
-              <a:rPr lang="en-US" sz="2800" dirty="0"/>
-              <a:t>Utilization is the measurement of how much the resources in an environment are being used.</a:t>
-            </a:r>
-          </a:p>
-          <a:p>
-            <a:r>
-              <a:rPr lang="en-US" dirty="0"/>
-              <a:t>Logging is the recording of specific events and information associated with those events.</a:t>
-            </a:r>
-          </a:p>
-          <a:p>
-            <a:r>
-              <a:rPr lang="en-US" sz="2800" dirty="0"/>
-              <a:t>Tracing ties together a sequence of services.</a:t>
+              <a:rPr lang="en-US" b="0" dirty="0"/>
+              <a:t>Introduction</a:t>
+            </a:r>
+          </a:p>
+          <a:p>
+            <a:r>
+              <a:rPr lang="en-US" dirty="0"/>
+              <a:t>Utilization</a:t>
+            </a:r>
+          </a:p>
+          <a:p>
+            <a:r>
+              <a:rPr lang="en-US" dirty="0"/>
+              <a:t>Logging</a:t>
+            </a:r>
+          </a:p>
+          <a:p>
+            <a:r>
+              <a:rPr lang="en-US" b="0" dirty="0"/>
+              <a:t>Tracing</a:t>
+            </a:r>
+          </a:p>
+          <a:p>
+            <a:pPr marL="342900" marR="0" lvl="0" indent="-342900" algn="l" defTabSz="914400" rtl="0" eaLnBrk="1" fontAlgn="base" latinLnBrk="0" hangingPunct="1">
+              <a:lnSpc>
+                <a:spcPct val="100000"/>
+              </a:lnSpc>
+              <a:spcBef>
+                <a:spcPct val="20000"/>
+              </a:spcBef>
+              <a:spcAft>
+                <a:spcPct val="0"/>
+              </a:spcAft>
+              <a:buClr>
+                <a:srgbClr val="005481"/>
+              </a:buClr>
+              <a:buSzTx/>
+              <a:buFont typeface="Times" charset="0"/>
+              <a:buChar char="•"/>
+              <a:tabLst/>
+              <a:defRPr/>
+            </a:pPr>
+            <a:r>
+              <a:rPr lang="en-US" sz="2800" b="0" dirty="0">
+                <a:solidFill>
+                  <a:schemeClr val="tx1"/>
+                </a:solidFill>
+                <a:effectLst/>
+                <a:latin typeface="+mn-lt"/>
+                <a:ea typeface="+mn-ea"/>
+                <a:cs typeface="+mn-cs"/>
+              </a:rPr>
+              <a:t>Designing for observability</a:t>
             </a:r>
           </a:p>
         </p:txBody>
@@ -5307,7 +5890,7 @@
     </p:spTree>
     <p:extLst>
       <p:ext uri="{BB962C8B-B14F-4D97-AF65-F5344CB8AC3E}">
-        <p14:creationId xmlns:p14="http://schemas.microsoft.com/office/powerpoint/2010/main" val="2265930611"/>
+        <p14:creationId xmlns:p14="http://schemas.microsoft.com/office/powerpoint/2010/main" val="2051745040"/>
       </p:ext>
     </p:extLst>
   </p:cSld>
@@ -5442,6 +6025,450 @@
     <p:extLst>
       <p:ext uri="{BB962C8B-B14F-4D97-AF65-F5344CB8AC3E}">
         <p14:creationId xmlns:p14="http://schemas.microsoft.com/office/powerpoint/2010/main" val="3889083338"/>
+      </p:ext>
+    </p:extLst>
+  </p:cSld>
+  <p:clrMapOvr>
+    <a:masterClrMapping/>
+  </p:clrMapOvr>
+</p:sld>
+</file>
+
+<file path=ppt/slides/slide30.xml><?xml version="1.0" encoding="utf-8"?>
+<p:sld xmlns:a="http://schemas.openxmlformats.org/drawingml/2006/main" xmlns:r="http://schemas.openxmlformats.org/officeDocument/2006/relationships" xmlns:p="http://schemas.openxmlformats.org/presentationml/2006/main">
+  <p:cSld>
+    <p:spTree>
+      <p:nvGrpSpPr>
+        <p:cNvPr id="1" name=""/>
+        <p:cNvGrpSpPr/>
+        <p:nvPr/>
+      </p:nvGrpSpPr>
+      <p:grpSpPr>
+        <a:xfrm>
+          <a:off x="0" y="0"/>
+          <a:ext cx="0" cy="0"/>
+          <a:chOff x="0" y="0"/>
+          <a:chExt cx="0" cy="0"/>
+        </a:xfrm>
+      </p:grpSpPr>
+      <p:sp>
+        <p:nvSpPr>
+          <p:cNvPr id="2" name="Title 1">
+            <a:extLst>
+              <a:ext uri="{FF2B5EF4-FFF2-40B4-BE49-F238E27FC236}">
+                <a16:creationId xmlns:a16="http://schemas.microsoft.com/office/drawing/2014/main" id="{ADE7AB90-204D-DEFA-BB00-46452435DB5B}"/>
+              </a:ext>
+            </a:extLst>
+          </p:cNvPr>
+          <p:cNvSpPr>
+            <a:spLocks noGrp="1"/>
+          </p:cNvSpPr>
+          <p:nvPr>
+            <p:ph type="title"/>
+          </p:nvPr>
+        </p:nvSpPr>
+        <p:spPr/>
+        <p:txBody>
+          <a:bodyPr/>
+          <a:lstStyle/>
+          <a:p>
+            <a:r>
+              <a:rPr lang="en-US" dirty="0"/>
+              <a:t>Process steps</a:t>
+            </a:r>
+          </a:p>
+        </p:txBody>
+      </p:sp>
+      <p:sp>
+        <p:nvSpPr>
+          <p:cNvPr id="3" name="Content Placeholder 2">
+            <a:extLst>
+              <a:ext uri="{FF2B5EF4-FFF2-40B4-BE49-F238E27FC236}">
+                <a16:creationId xmlns:a16="http://schemas.microsoft.com/office/drawing/2014/main" id="{115B9143-F372-EB14-BA27-91CF84987ACD}"/>
+              </a:ext>
+            </a:extLst>
+          </p:cNvPr>
+          <p:cNvSpPr>
+            <a:spLocks noGrp="1"/>
+          </p:cNvSpPr>
+          <p:nvPr>
+            <p:ph idx="1"/>
+          </p:nvPr>
+        </p:nvSpPr>
+        <p:spPr/>
+        <p:txBody>
+          <a:bodyPr/>
+          <a:lstStyle/>
+          <a:p>
+            <a:r>
+              <a:rPr lang="en-US" dirty="0"/>
+              <a:t>Define</a:t>
+            </a:r>
+            <a:r>
+              <a:rPr lang="en-US" baseline="0" dirty="0"/>
+              <a:t> contexts of interest</a:t>
+            </a:r>
+          </a:p>
+          <a:p>
+            <a:r>
+              <a:rPr lang="en-US" baseline="0" dirty="0"/>
+              <a:t>Save codes/definitions of context in database</a:t>
+            </a:r>
+          </a:p>
+          <a:p>
+            <a:r>
+              <a:rPr lang="en-US" dirty="0"/>
+              <a:t>include  back end specific log daemons in build step </a:t>
+            </a:r>
+            <a:r>
+              <a:rPr lang="en-US"/>
+              <a:t>of deployment</a:t>
+            </a:r>
+            <a:endParaRPr lang="en-US" baseline="0" dirty="0"/>
+          </a:p>
+        </p:txBody>
+      </p:sp>
+    </p:spTree>
+    <p:extLst>
+      <p:ext uri="{BB962C8B-B14F-4D97-AF65-F5344CB8AC3E}">
+        <p14:creationId xmlns:p14="http://schemas.microsoft.com/office/powerpoint/2010/main" val="4051687930"/>
+      </p:ext>
+    </p:extLst>
+  </p:cSld>
+  <p:clrMapOvr>
+    <a:masterClrMapping/>
+  </p:clrMapOvr>
+</p:sld>
+</file>
+
+<file path=ppt/slides/slide31.xml><?xml version="1.0" encoding="utf-8"?>
+<p:sld xmlns:a="http://schemas.openxmlformats.org/drawingml/2006/main" xmlns:r="http://schemas.openxmlformats.org/officeDocument/2006/relationships" xmlns:p="http://schemas.openxmlformats.org/presentationml/2006/main">
+  <p:cSld>
+    <p:spTree>
+      <p:nvGrpSpPr>
+        <p:cNvPr id="1" name=""/>
+        <p:cNvGrpSpPr/>
+        <p:nvPr/>
+      </p:nvGrpSpPr>
+      <p:grpSpPr>
+        <a:xfrm>
+          <a:off x="0" y="0"/>
+          <a:ext cx="0" cy="0"/>
+          <a:chOff x="0" y="0"/>
+          <a:chExt cx="0" cy="0"/>
+        </a:xfrm>
+      </p:grpSpPr>
+      <p:sp>
+        <p:nvSpPr>
+          <p:cNvPr id="2" name="Title 1">
+            <a:extLst>
+              <a:ext uri="{FF2B5EF4-FFF2-40B4-BE49-F238E27FC236}">
+                <a16:creationId xmlns:a16="http://schemas.microsoft.com/office/drawing/2014/main" id="{E081F6D4-A17C-C46D-E40D-8FC058592FA9}"/>
+              </a:ext>
+            </a:extLst>
+          </p:cNvPr>
+          <p:cNvSpPr>
+            <a:spLocks noGrp="1"/>
+          </p:cNvSpPr>
+          <p:nvPr>
+            <p:ph type="title"/>
+          </p:nvPr>
+        </p:nvSpPr>
+        <p:spPr/>
+        <p:txBody>
+          <a:bodyPr/>
+          <a:lstStyle/>
+          <a:p>
+            <a:r>
+              <a:rPr lang="en-US" dirty="0"/>
+              <a:t>Design steps</a:t>
+            </a:r>
+          </a:p>
+        </p:txBody>
+      </p:sp>
+      <p:sp>
+        <p:nvSpPr>
+          <p:cNvPr id="3" name="Content Placeholder 2">
+            <a:extLst>
+              <a:ext uri="{FF2B5EF4-FFF2-40B4-BE49-F238E27FC236}">
+                <a16:creationId xmlns:a16="http://schemas.microsoft.com/office/drawing/2014/main" id="{7C93886C-C43D-3AF9-1EFC-060642ED14C2}"/>
+              </a:ext>
+            </a:extLst>
+          </p:cNvPr>
+          <p:cNvSpPr>
+            <a:spLocks noGrp="1"/>
+          </p:cNvSpPr>
+          <p:nvPr>
+            <p:ph idx="1"/>
+          </p:nvPr>
+        </p:nvSpPr>
+        <p:spPr/>
+        <p:txBody>
+          <a:bodyPr/>
+          <a:lstStyle/>
+          <a:p>
+            <a:r>
+              <a:rPr lang="en-US" dirty="0"/>
+              <a:t>Add log entries on entry exit</a:t>
+            </a:r>
+          </a:p>
+          <a:p>
+            <a:pPr lvl="1"/>
+            <a:r>
+              <a:rPr lang="en-US" dirty="0"/>
+              <a:t>Invoking process</a:t>
+            </a:r>
+          </a:p>
+          <a:p>
+            <a:pPr lvl="1"/>
+            <a:r>
+              <a:rPr lang="en-US" dirty="0"/>
+              <a:t>Parameters</a:t>
+            </a:r>
+          </a:p>
+          <a:p>
+            <a:pPr lvl="1"/>
+            <a:r>
+              <a:rPr lang="en-US" dirty="0"/>
+              <a:t>Context</a:t>
+            </a:r>
+          </a:p>
+          <a:p>
+            <a:pPr lvl="1"/>
+            <a:r>
+              <a:rPr lang="en-US" dirty="0"/>
+              <a:t>Queue lengths</a:t>
+            </a:r>
+          </a:p>
+          <a:p>
+            <a:pPr lvl="1"/>
+            <a:r>
+              <a:rPr lang="en-US" dirty="0"/>
+              <a:t>…</a:t>
+            </a:r>
+          </a:p>
+          <a:p>
+            <a:r>
+              <a:rPr lang="en-US" dirty="0"/>
+              <a:t>Add other log entries</a:t>
+            </a:r>
+          </a:p>
+          <a:p>
+            <a:pPr lvl="1"/>
+            <a:r>
+              <a:rPr lang="en-US" dirty="0"/>
+              <a:t>Exceptions</a:t>
+            </a:r>
+          </a:p>
+        </p:txBody>
+      </p:sp>
+    </p:spTree>
+    <p:extLst>
+      <p:ext uri="{BB962C8B-B14F-4D97-AF65-F5344CB8AC3E}">
+        <p14:creationId xmlns:p14="http://schemas.microsoft.com/office/powerpoint/2010/main" val="530429719"/>
+      </p:ext>
+    </p:extLst>
+  </p:cSld>
+  <p:clrMapOvr>
+    <a:masterClrMapping/>
+  </p:clrMapOvr>
+</p:sld>
+</file>
+
+<file path=ppt/slides/slide32.xml><?xml version="1.0" encoding="utf-8"?>
+<p:sld xmlns:a="http://schemas.openxmlformats.org/drawingml/2006/main" xmlns:r="http://schemas.openxmlformats.org/officeDocument/2006/relationships" xmlns:p="http://schemas.openxmlformats.org/presentationml/2006/main">
+  <p:cSld>
+    <p:spTree>
+      <p:nvGrpSpPr>
+        <p:cNvPr id="1" name=""/>
+        <p:cNvGrpSpPr/>
+        <p:nvPr/>
+      </p:nvGrpSpPr>
+      <p:grpSpPr>
+        <a:xfrm>
+          <a:off x="0" y="0"/>
+          <a:ext cx="0" cy="0"/>
+          <a:chOff x="0" y="0"/>
+          <a:chExt cx="0" cy="0"/>
+        </a:xfrm>
+      </p:grpSpPr>
+      <p:sp>
+        <p:nvSpPr>
+          <p:cNvPr id="2" name="Title 1">
+            <a:extLst>
+              <a:ext uri="{FF2B5EF4-FFF2-40B4-BE49-F238E27FC236}">
+                <a16:creationId xmlns:a16="http://schemas.microsoft.com/office/drawing/2014/main" id="{16663DC1-70C6-589F-4677-2E0F9991EC84}"/>
+              </a:ext>
+            </a:extLst>
+          </p:cNvPr>
+          <p:cNvSpPr>
+            <a:spLocks noGrp="1"/>
+          </p:cNvSpPr>
+          <p:nvPr>
+            <p:ph type="title"/>
+          </p:nvPr>
+        </p:nvSpPr>
+        <p:spPr/>
+        <p:txBody>
+          <a:bodyPr/>
+          <a:lstStyle/>
+          <a:p>
+            <a:r>
+              <a:rPr lang="en-US" dirty="0"/>
+              <a:t>Utilization</a:t>
+            </a:r>
+            <a:r>
+              <a:rPr lang="en-US" baseline="0" dirty="0"/>
+              <a:t> </a:t>
+            </a:r>
+            <a:endParaRPr lang="en-US" dirty="0"/>
+          </a:p>
+        </p:txBody>
+      </p:sp>
+      <p:sp>
+        <p:nvSpPr>
+          <p:cNvPr id="3" name="Content Placeholder 2">
+            <a:extLst>
+              <a:ext uri="{FF2B5EF4-FFF2-40B4-BE49-F238E27FC236}">
+                <a16:creationId xmlns:a16="http://schemas.microsoft.com/office/drawing/2014/main" id="{DE1DD639-71EC-9160-BA3D-FC6A8E2B3A94}"/>
+              </a:ext>
+            </a:extLst>
+          </p:cNvPr>
+          <p:cNvSpPr>
+            <a:spLocks noGrp="1"/>
+          </p:cNvSpPr>
+          <p:nvPr>
+            <p:ph idx="1"/>
+          </p:nvPr>
+        </p:nvSpPr>
+        <p:spPr/>
+        <p:txBody>
+          <a:bodyPr/>
+          <a:lstStyle/>
+          <a:p>
+            <a:r>
+              <a:rPr lang="en-US" dirty="0"/>
+              <a:t>Utilization</a:t>
+            </a:r>
+            <a:r>
+              <a:rPr lang="en-US" baseline="0" dirty="0"/>
+              <a:t> is collected by the infrastructure</a:t>
+            </a:r>
+          </a:p>
+          <a:p>
+            <a:r>
+              <a:rPr lang="en-US" dirty="0"/>
+              <a:t>Send by back end specific plug in</a:t>
+            </a:r>
+            <a:endParaRPr lang="en-US" baseline="0" dirty="0"/>
+          </a:p>
+          <a:p>
+            <a:endParaRPr lang="en-US" dirty="0"/>
+          </a:p>
+        </p:txBody>
+      </p:sp>
+    </p:spTree>
+    <p:extLst>
+      <p:ext uri="{BB962C8B-B14F-4D97-AF65-F5344CB8AC3E}">
+        <p14:creationId xmlns:p14="http://schemas.microsoft.com/office/powerpoint/2010/main" val="2027336447"/>
+      </p:ext>
+    </p:extLst>
+  </p:cSld>
+  <p:clrMapOvr>
+    <a:masterClrMapping/>
+  </p:clrMapOvr>
+</p:sld>
+</file>
+
+<file path=ppt/slides/slide33.xml><?xml version="1.0" encoding="utf-8"?>
+<p:sld xmlns:a="http://schemas.openxmlformats.org/drawingml/2006/main" xmlns:r="http://schemas.openxmlformats.org/officeDocument/2006/relationships" xmlns:p="http://schemas.openxmlformats.org/presentationml/2006/main">
+  <p:cSld>
+    <p:spTree>
+      <p:nvGrpSpPr>
+        <p:cNvPr id="1" name=""/>
+        <p:cNvGrpSpPr/>
+        <p:nvPr/>
+      </p:nvGrpSpPr>
+      <p:grpSpPr>
+        <a:xfrm>
+          <a:off x="0" y="0"/>
+          <a:ext cx="0" cy="0"/>
+          <a:chOff x="0" y="0"/>
+          <a:chExt cx="0" cy="0"/>
+        </a:xfrm>
+      </p:grpSpPr>
+      <p:sp>
+        <p:nvSpPr>
+          <p:cNvPr id="2" name="Title 1">
+            <a:extLst>
+              <a:ext uri="{FF2B5EF4-FFF2-40B4-BE49-F238E27FC236}">
+                <a16:creationId xmlns:a16="http://schemas.microsoft.com/office/drawing/2014/main" id="{5D710504-1B90-4184-802E-48ED7CB94D1F}"/>
+              </a:ext>
+            </a:extLst>
+          </p:cNvPr>
+          <p:cNvSpPr>
+            <a:spLocks noGrp="1"/>
+          </p:cNvSpPr>
+          <p:nvPr>
+            <p:ph type="title"/>
+          </p:nvPr>
+        </p:nvSpPr>
+        <p:spPr/>
+        <p:txBody>
+          <a:bodyPr/>
+          <a:lstStyle/>
+          <a:p>
+            <a:r>
+              <a:rPr lang="en-US" dirty="0"/>
+              <a:t>Summary</a:t>
+            </a:r>
+          </a:p>
+        </p:txBody>
+      </p:sp>
+      <p:sp>
+        <p:nvSpPr>
+          <p:cNvPr id="3" name="Content Placeholder 2">
+            <a:extLst>
+              <a:ext uri="{FF2B5EF4-FFF2-40B4-BE49-F238E27FC236}">
+                <a16:creationId xmlns:a16="http://schemas.microsoft.com/office/drawing/2014/main" id="{5F839EFE-94B9-4EB4-9099-22D52770D445}"/>
+              </a:ext>
+            </a:extLst>
+          </p:cNvPr>
+          <p:cNvSpPr>
+            <a:spLocks noGrp="1"/>
+          </p:cNvSpPr>
+          <p:nvPr>
+            <p:ph idx="1"/>
+          </p:nvPr>
+        </p:nvSpPr>
+        <p:spPr/>
+        <p:txBody>
+          <a:bodyPr/>
+          <a:lstStyle/>
+          <a:p>
+            <a:r>
+              <a:rPr lang="en-US" sz="2800" dirty="0"/>
+              <a:t>Utilization is the measurement of how much the resources in an environment are being used.</a:t>
+            </a:r>
+          </a:p>
+          <a:p>
+            <a:r>
+              <a:rPr lang="en-US" dirty="0"/>
+              <a:t>Logging is the recording of specific events and information associated with those events.</a:t>
+            </a:r>
+          </a:p>
+          <a:p>
+            <a:r>
+              <a:rPr lang="en-US" sz="2800" dirty="0"/>
+              <a:t>Tracing ties together a sequence of services.</a:t>
+            </a:r>
+          </a:p>
+        </p:txBody>
+      </p:sp>
+    </p:spTree>
+    <p:extLst>
+      <p:ext uri="{BB962C8B-B14F-4D97-AF65-F5344CB8AC3E}">
+        <p14:creationId xmlns:p14="http://schemas.microsoft.com/office/powerpoint/2010/main" val="2265930611"/>
       </p:ext>
     </p:extLst>
   </p:cSld>
@@ -5630,6 +6657,125 @@
         <p:spPr bwMode="auto">
           <a:xfrm>
             <a:off x="1447800" y="2057400"/>
+            <a:ext cx="1981200" cy="2590800"/>
+          </a:xfrm>
+          <a:prstGeom prst="ellipse">
+            <a:avLst/>
+          </a:prstGeom>
+          <a:solidFill>
+            <a:schemeClr val="accent1"/>
+          </a:solidFill>
+          <a:ln w="9525" cap="flat" cmpd="sng" algn="ctr">
+            <a:solidFill>
+              <a:schemeClr val="tx1"/>
+            </a:solidFill>
+            <a:prstDash val="solid"/>
+            <a:round/>
+            <a:headEnd type="none" w="med" len="med"/>
+            <a:tailEnd type="none" w="med" len="med"/>
+          </a:ln>
+          <a:effectLst/>
+          <a:extLst>
+            <a:ext uri="{AF507438-7753-43e0-B8FC-AC1667EBCBE1}">
+              <a14:hiddenEffects xmlns="" xmlns:a14="http://schemas.microsoft.com/office/drawing/2010/main">
+                <a:effectLst>
+                  <a:outerShdw blurRad="63500" dist="38099" dir="2700000" algn="ctr" rotWithShape="0">
+                    <a:schemeClr val="bg2">
+                      <a:alpha val="74998"/>
+                    </a:schemeClr>
+                  </a:outerShdw>
+                </a:effectLst>
+              </a14:hiddenEffects>
+            </a:ext>
+          </a:extLst>
+        </p:spPr>
+        <p:txBody>
+          <a:bodyPr vert="horz" wrap="square" lIns="91440" tIns="45720" rIns="91440" bIns="45720" numCol="1" rtlCol="0" anchor="t" anchorCtr="0" compatLnSpc="1">
+            <a:prstTxWarp prst="textNoShape">
+              <a:avLst/>
+            </a:prstTxWarp>
+          </a:bodyPr>
+          <a:lstStyle/>
+          <a:p>
+            <a:pPr marL="0" marR="0" indent="0" algn="l" defTabSz="914400" rtl="0" eaLnBrk="0" fontAlgn="base" latinLnBrk="0" hangingPunct="0">
+              <a:lnSpc>
+                <a:spcPct val="100000"/>
+              </a:lnSpc>
+              <a:spcBef>
+                <a:spcPct val="0"/>
+              </a:spcBef>
+              <a:spcAft>
+                <a:spcPct val="0"/>
+              </a:spcAft>
+              <a:buClrTx/>
+              <a:buSzTx/>
+              <a:buFontTx/>
+              <a:buNone/>
+              <a:tabLst/>
+            </a:pPr>
+            <a:endParaRPr kumimoji="0" lang="en-US" sz="2400" b="0" i="0" u="none" strike="noStrike" cap="none" normalizeH="0" baseline="0" dirty="0">
+              <a:ln>
+                <a:noFill/>
+              </a:ln>
+              <a:solidFill>
+                <a:srgbClr val="000000"/>
+              </a:solidFill>
+              <a:effectLst/>
+              <a:latin typeface="Times" charset="0"/>
+              <a:ea typeface="Osaka" charset="0"/>
+              <a:cs typeface="Osaka" charset="0"/>
+            </a:endParaRPr>
+          </a:p>
+          <a:p>
+            <a:pPr marL="0" marR="0" indent="0" algn="l" defTabSz="914400" rtl="0" eaLnBrk="0" fontAlgn="base" latinLnBrk="0" hangingPunct="0">
+              <a:lnSpc>
+                <a:spcPct val="100000"/>
+              </a:lnSpc>
+              <a:spcBef>
+                <a:spcPct val="0"/>
+              </a:spcBef>
+              <a:spcAft>
+                <a:spcPct val="0"/>
+              </a:spcAft>
+              <a:buClrTx/>
+              <a:buSzTx/>
+              <a:buFontTx/>
+              <a:buNone/>
+              <a:tabLst/>
+            </a:pPr>
+            <a:r>
+              <a:rPr kumimoji="0" lang="en-US" sz="2400" b="0" i="0" u="none" strike="noStrike" cap="none" normalizeH="0" baseline="0" dirty="0">
+                <a:ln>
+                  <a:noFill/>
+                </a:ln>
+                <a:solidFill>
+                  <a:srgbClr val="000000"/>
+                </a:solidFill>
+                <a:effectLst/>
+                <a:latin typeface="Times" charset="0"/>
+                <a:ea typeface="Osaka" charset="0"/>
+                <a:cs typeface="Osaka" charset="0"/>
+              </a:rPr>
+              <a:t>Running system</a:t>
+            </a:r>
+          </a:p>
+        </p:txBody>
+      </p:sp>
+      <p:sp>
+        <p:nvSpPr>
+          <p:cNvPr id="6" name="Oval 5">
+            <a:extLst>
+              <a:ext uri="{FF2B5EF4-FFF2-40B4-BE49-F238E27FC236}">
+                <a16:creationId xmlns:a16="http://schemas.microsoft.com/office/drawing/2014/main" id="{8E7BE555-786B-4B7B-BE25-611A61BB1FE5}"/>
+              </a:ext>
+            </a:extLst>
+          </p:cNvPr>
+          <p:cNvSpPr/>
+          <p:nvPr/>
+        </p:nvSpPr>
+        <p:spPr bwMode="auto">
+          <a:xfrm>
+            <a:off x="5705475" y="2057400"/>
             <a:ext cx="1981200" cy="2590800"/>
           </a:xfrm>
           <a:prstGeom prst="ellipse">
@@ -5686,125 +6832,6 @@
               <a:buNone/>
               <a:tabLst/>
             </a:pPr>
-            <a:endParaRPr kumimoji="0" lang="en-US" sz="2400" b="0" i="0" u="none" strike="noStrike" cap="none" normalizeH="0" baseline="0" dirty="0">
-              <a:ln>
-                <a:noFill/>
-              </a:ln>
-              <a:solidFill>
-                <a:srgbClr val="000000"/>
-              </a:solidFill>
-              <a:effectLst/>
-              <a:latin typeface="Times" charset="0"/>
-              <a:ea typeface="Osaka" charset="0"/>
-              <a:cs typeface="Osaka" charset="0"/>
-            </a:endParaRPr>
-          </a:p>
-          <a:p>
-            <a:pPr marL="0" marR="0" indent="0" algn="l" defTabSz="914400" rtl="0" eaLnBrk="0" fontAlgn="base" latinLnBrk="0" hangingPunct="0">
-              <a:lnSpc>
-                <a:spcPct val="100000"/>
-              </a:lnSpc>
-              <a:spcBef>
-                <a:spcPct val="0"/>
-              </a:spcBef>
-              <a:spcAft>
-                <a:spcPct val="0"/>
-              </a:spcAft>
-              <a:buClrTx/>
-              <a:buSzTx/>
-              <a:buFontTx/>
-              <a:buNone/>
-              <a:tabLst/>
-            </a:pPr>
-            <a:r>
-              <a:rPr kumimoji="0" lang="en-US" sz="2400" b="0" i="0" u="none" strike="noStrike" cap="none" normalizeH="0" baseline="0" dirty="0">
-                <a:ln>
-                  <a:noFill/>
-                </a:ln>
-                <a:solidFill>
-                  <a:srgbClr val="000000"/>
-                </a:solidFill>
-                <a:effectLst/>
-                <a:latin typeface="Times" charset="0"/>
-                <a:ea typeface="Osaka" charset="0"/>
-                <a:cs typeface="Osaka" charset="0"/>
-              </a:rPr>
-              <a:t>Running system</a:t>
-            </a:r>
-          </a:p>
-        </p:txBody>
-      </p:sp>
-      <p:sp>
-        <p:nvSpPr>
-          <p:cNvPr id="6" name="Oval 5">
-            <a:extLst>
-              <a:ext uri="{FF2B5EF4-FFF2-40B4-BE49-F238E27FC236}">
-                <a16:creationId xmlns:a16="http://schemas.microsoft.com/office/drawing/2014/main" id="{8E7BE555-786B-4B7B-BE25-611A61BB1FE5}"/>
-              </a:ext>
-            </a:extLst>
-          </p:cNvPr>
-          <p:cNvSpPr/>
-          <p:nvPr/>
-        </p:nvSpPr>
-        <p:spPr bwMode="auto">
-          <a:xfrm>
-            <a:off x="5705475" y="2057400"/>
-            <a:ext cx="1981200" cy="2590800"/>
-          </a:xfrm>
-          <a:prstGeom prst="ellipse">
-            <a:avLst/>
-          </a:prstGeom>
-          <a:solidFill>
-            <a:schemeClr val="accent1"/>
-          </a:solidFill>
-          <a:ln w="9525" cap="flat" cmpd="sng" algn="ctr">
-            <a:solidFill>
-              <a:schemeClr val="tx1"/>
-            </a:solidFill>
-            <a:prstDash val="solid"/>
-            <a:round/>
-            <a:headEnd type="none" w="med" len="med"/>
-            <a:tailEnd type="none" w="med" len="med"/>
-          </a:ln>
-          <a:effectLst/>
-          <a:extLst>
-            <a:ext uri="{AF507438-7753-43e0-B8FC-AC1667EBCBE1}">
-              <a14:hiddenEffects xmlns="" xmlns:a14="http://schemas.microsoft.com/office/drawing/2010/main">
-                <a:effectLst>
-                  <a:outerShdw blurRad="63500" dist="38099" dir="2700000" algn="ctr" rotWithShape="0">
-                    <a:schemeClr val="bg2">
-                      <a:alpha val="74998"/>
-                    </a:schemeClr>
-                  </a:outerShdw>
-                </a:effectLst>
-              </a14:hiddenEffects>
-            </a:ext>
-          </a:extLst>
-        </p:spPr>
-        <p:txBody>
-          <a:bodyPr vert="horz" wrap="square" lIns="91440" tIns="45720" rIns="91440" bIns="45720" numCol="1" rtlCol="0" anchor="t" anchorCtr="0" compatLnSpc="1">
-            <a:prstTxWarp prst="textNoShape">
-              <a:avLst/>
-            </a:prstTxWarp>
-          </a:bodyPr>
-          <a:lstStyle/>
-          <a:p>
-            <a:pPr marL="0" marR="0" indent="0" algn="l" defTabSz="914400" rtl="0" eaLnBrk="0" fontAlgn="base" latinLnBrk="0" hangingPunct="0">
-              <a:lnSpc>
-                <a:spcPct val="100000"/>
-              </a:lnSpc>
-              <a:spcBef>
-                <a:spcPct val="0"/>
-              </a:spcBef>
-              <a:spcAft>
-                <a:spcPct val="0"/>
-              </a:spcAft>
-              <a:buClrTx/>
-              <a:buSzTx/>
-              <a:buFontTx/>
-              <a:buNone/>
-              <a:tabLst/>
-            </a:pPr>
             <a:endParaRPr lang="en-US" sz="2400" dirty="0">
               <a:solidFill>
                 <a:srgbClr val="000000"/>
@@ -5892,7 +6919,7 @@
           <a:effectLst/>
           <a:extLst>
             <a:ext uri="{AF507438-7753-43e0-B8FC-AC1667EBCBE1}">
-              <a14:hiddenEffects xmlns:a14="http://schemas.microsoft.com/office/drawing/2010/main" xmlns="">
+              <a14:hiddenEffects xmlns="" xmlns:a14="http://schemas.microsoft.com/office/drawing/2010/main">
                 <a:effectLst>
                   <a:outerShdw blurRad="63500" dist="38099" dir="2700000" algn="ctr" rotWithShape="0">
                     <a:schemeClr val="bg2">
@@ -6531,6 +7558,45 @@
               <a:rPr lang="en-US" dirty="0"/>
               <a:t>Tracing</a:t>
             </a:r>
+          </a:p>
+          <a:p>
+            <a:pPr marL="342900" marR="0" lvl="0" indent="-342900" algn="l" defTabSz="914400" rtl="0" eaLnBrk="1" fontAlgn="base" latinLnBrk="0" hangingPunct="1">
+              <a:lnSpc>
+                <a:spcPct val="100000"/>
+              </a:lnSpc>
+              <a:spcBef>
+                <a:spcPct val="20000"/>
+              </a:spcBef>
+              <a:spcAft>
+                <a:spcPct val="0"/>
+              </a:spcAft>
+              <a:buClr>
+                <a:srgbClr val="005481"/>
+              </a:buClr>
+              <a:buSzTx/>
+              <a:buFont typeface="Times" charset="0"/>
+              <a:buChar char="•"/>
+              <a:tabLst/>
+              <a:defRPr/>
+            </a:pPr>
+            <a:r>
+              <a:rPr lang="en-US" sz="2800" dirty="0">
+                <a:solidFill>
+                  <a:schemeClr val="tx1"/>
+                </a:solidFill>
+                <a:effectLst/>
+                <a:latin typeface="+mn-lt"/>
+                <a:ea typeface="+mn-ea"/>
+                <a:cs typeface="+mn-cs"/>
+              </a:rPr>
+              <a:t>Designing for observability</a:t>
+            </a:r>
+            <a:endParaRPr lang="en-US" sz="2800" dirty="0">
+              <a:effectLst/>
+            </a:endParaRPr>
+          </a:p>
+          <a:p>
+            <a:endParaRPr lang="en-US" dirty="0"/>
           </a:p>
         </p:txBody>
       </p:sp>
@@ -6932,7 +7998,7 @@
         <a:effectLst/>
         <a:extLst>
           <a:ext uri="{AF507438-7753-43e0-B8FC-AC1667EBCBE1}">
-            <a14:hiddenEffects xmlns:a14="http://schemas.microsoft.com/office/drawing/2010/main" xmlns="">
+            <a14:hiddenEffects xmlns="" xmlns:a14="http://schemas.microsoft.com/office/drawing/2010/main">
               <a:effectLst>
                 <a:outerShdw blurRad="63500" dist="38099" dir="2700000" algn="ctr" rotWithShape="0">
                   <a:schemeClr val="bg2">
@@ -7009,7 +8075,7 @@
         <a:effectLst/>
         <a:extLst>
           <a:ext uri="{AF507438-7753-43e0-B8FC-AC1667EBCBE1}">
-            <a14:hiddenEffects xmlns:a14="http://schemas.microsoft.com/office/drawing/2010/main" xmlns="">
+            <a14:hiddenEffects xmlns="" xmlns:a14="http://schemas.microsoft.com/office/drawing/2010/main">
               <a:effectLst>
                 <a:outerShdw blurRad="63500" dist="38099" dir="2700000" algn="ctr" rotWithShape="0">
                   <a:schemeClr val="bg2">

--- a/observability.pptx
+++ b/observability.pptx
@@ -5,10 +5,10 @@
     <p:sldMasterId id="2147483680" r:id="rId1"/>
   </p:sldMasterIdLst>
   <p:notesMasterIdLst>
-    <p:notesMasterId r:id="rId35"/>
+    <p:notesMasterId r:id="rId37"/>
   </p:notesMasterIdLst>
   <p:handoutMasterIdLst>
-    <p:handoutMasterId r:id="rId36"/>
+    <p:handoutMasterId r:id="rId38"/>
   </p:handoutMasterIdLst>
   <p:sldIdLst>
     <p:sldId id="256" r:id="rId2"/>
@@ -43,7 +43,9 @@
     <p:sldId id="370" r:id="rId31"/>
     <p:sldId id="371" r:id="rId32"/>
     <p:sldId id="372" r:id="rId33"/>
-    <p:sldId id="319" r:id="rId34"/>
+    <p:sldId id="380" r:id="rId34"/>
+    <p:sldId id="381" r:id="rId35"/>
+    <p:sldId id="319" r:id="rId36"/>
   </p:sldIdLst>
   <p:sldSz cx="9144000" cy="6858000" type="screen4x3"/>
   <p:notesSz cx="7315200" cy="9601200"/>
@@ -1330,7 +1332,7 @@
           <a:effectLst/>
           <a:extLst>
             <a:ext uri="{AF507438-7753-43e0-B8FC-AC1667EBCBE1}">
-              <a14:hiddenEffects xmlns="" xmlns:a14="http://schemas.microsoft.com/office/drawing/2010/main">
+              <a14:hiddenEffects xmlns:a14="http://schemas.microsoft.com/office/drawing/2010/main" xmlns="">
                 <a:effectLst>
                   <a:outerShdw blurRad="63500" dist="38099" dir="2700000" algn="ctr" rotWithShape="0">
                     <a:schemeClr val="bg2">
@@ -2586,14 +2588,14 @@
           <a:effectLst/>
           <a:extLst>
             <a:ext uri="{909E8E84-426E-40dd-AFC4-6F175D3DCCD1}">
-              <a14:hiddenFill xmlns="" xmlns:a14="http://schemas.microsoft.com/office/drawing/2010/main">
+              <a14:hiddenFill xmlns:a14="http://schemas.microsoft.com/office/drawing/2010/main" xmlns="">
                 <a:solidFill>
                   <a:schemeClr val="accent1"/>
                 </a:solidFill>
               </a14:hiddenFill>
             </a:ext>
             <a:ext uri="{91240B29-F687-4f45-9708-019B960494DF}">
-              <a14:hiddenLine xmlns="" xmlns:a14="http://schemas.microsoft.com/office/drawing/2010/main" w="9525">
+              <a14:hiddenLine xmlns:a14="http://schemas.microsoft.com/office/drawing/2010/main" xmlns="" w="9525">
                 <a:solidFill>
                   <a:schemeClr val="tx1"/>
                 </a:solidFill>
@@ -2603,7 +2605,7 @@
               </a14:hiddenLine>
             </a:ext>
             <a:ext uri="{AF507438-7753-43e0-B8FC-AC1667EBCBE1}">
-              <a14:hiddenEffects xmlns="" xmlns:a14="http://schemas.microsoft.com/office/drawing/2010/main">
+              <a14:hiddenEffects xmlns:a14="http://schemas.microsoft.com/office/drawing/2010/main" xmlns="">
                 <a:effectLst>
                   <a:outerShdw blurRad="63500" dist="38099" dir="2700000" algn="ctr" rotWithShape="0">
                     <a:schemeClr val="bg2">
@@ -2614,7 +2616,7 @@
               </a14:hiddenEffects>
             </a:ext>
             <a:ext uri="{FAA26D3D-D897-4be2-8F04-BA451C77F1D7}">
-              <ma14:placeholderFlag xmlns="" xmlns:ma14="http://schemas.microsoft.com/office/mac/drawingml/2011/main" val="1"/>
+              <ma14:placeholderFlag xmlns:ma14="http://schemas.microsoft.com/office/mac/drawingml/2011/main" xmlns="" val="1"/>
             </a:ext>
           </a:extLst>
         </p:spPr>
@@ -2659,14 +2661,14 @@
           <a:effectLst/>
           <a:extLst>
             <a:ext uri="{909E8E84-426E-40dd-AFC4-6F175D3DCCD1}">
-              <a14:hiddenFill xmlns="" xmlns:a14="http://schemas.microsoft.com/office/drawing/2010/main">
+              <a14:hiddenFill xmlns:a14="http://schemas.microsoft.com/office/drawing/2010/main" xmlns="">
                 <a:solidFill>
                   <a:schemeClr val="accent1"/>
                 </a:solidFill>
               </a14:hiddenFill>
             </a:ext>
             <a:ext uri="{91240B29-F687-4f45-9708-019B960494DF}">
-              <a14:hiddenLine xmlns="" xmlns:a14="http://schemas.microsoft.com/office/drawing/2010/main" w="9525">
+              <a14:hiddenLine xmlns:a14="http://schemas.microsoft.com/office/drawing/2010/main" xmlns="" w="9525">
                 <a:solidFill>
                   <a:schemeClr val="tx1"/>
                 </a:solidFill>
@@ -2676,7 +2678,7 @@
               </a14:hiddenLine>
             </a:ext>
             <a:ext uri="{AF507438-7753-43e0-B8FC-AC1667EBCBE1}">
-              <a14:hiddenEffects xmlns="" xmlns:a14="http://schemas.microsoft.com/office/drawing/2010/main">
+              <a14:hiddenEffects xmlns:a14="http://schemas.microsoft.com/office/drawing/2010/main" xmlns="">
                 <a:effectLst>
                   <a:outerShdw blurRad="63500" dist="38099" dir="2700000" algn="ctr" rotWithShape="0">
                     <a:schemeClr val="bg2">
@@ -2687,7 +2689,7 @@
               </a14:hiddenEffects>
             </a:ext>
             <a:ext uri="{FAA26D3D-D897-4be2-8F04-BA451C77F1D7}">
-              <ma14:placeholderFlag xmlns="" xmlns:ma14="http://schemas.microsoft.com/office/mac/drawingml/2011/main" val="1"/>
+              <ma14:placeholderFlag xmlns:ma14="http://schemas.microsoft.com/office/mac/drawingml/2011/main" xmlns="" val="1"/>
             </a:ext>
           </a:extLst>
         </p:spPr>
@@ -2765,36 +2767,6 @@
             <a:headEnd/>
             <a:tailEnd/>
           </a:ln>
-        </p:spPr>
-      </p:pic>
-      <p:pic>
-        <p:nvPicPr>
-          <p:cNvPr id="3" name="Picture 2">
-            <a:extLst>
-              <a:ext uri="{FF2B5EF4-FFF2-40B4-BE49-F238E27FC236}">
-                <a16:creationId xmlns:a16="http://schemas.microsoft.com/office/drawing/2014/main" id="{D516B1DB-5E49-1EA2-8C18-34B3643D7DAB}"/>
-              </a:ext>
-            </a:extLst>
-          </p:cNvPr>
-          <p:cNvPicPr>
-            <a:picLocks noChangeAspect="1"/>
-          </p:cNvPicPr>
-          <p:nvPr userDrawn="1"/>
-        </p:nvPicPr>
-        <p:blipFill>
-          <a:blip r:embed="rId14"/>
-          <a:stretch>
-            <a:fillRect/>
-          </a:stretch>
-        </p:blipFill>
-        <p:spPr>
-          <a:xfrm>
-            <a:off x="7391400" y="6096000"/>
-            <a:ext cx="1388962" cy="563592"/>
-          </a:xfrm>
-          <a:prstGeom prst="rect">
-            <a:avLst/>
-          </a:prstGeom>
         </p:spPr>
       </p:pic>
     </p:spTree>
@@ -3776,6 +3748,36 @@
               </a:rPr>
               <a:t>Designing for observability</a:t>
             </a:r>
+          </a:p>
+          <a:p>
+            <a:pPr>
+              <a:defRPr/>
+            </a:pPr>
+            <a:r>
+              <a:rPr lang="en-US" dirty="0"/>
+              <a:t>Key questions</a:t>
+            </a:r>
+          </a:p>
+          <a:p>
+            <a:pPr marL="342900" marR="0" lvl="0" indent="-342900" algn="l" defTabSz="914400" rtl="0" eaLnBrk="1" fontAlgn="base" latinLnBrk="0" hangingPunct="1">
+              <a:lnSpc>
+                <a:spcPct val="100000"/>
+              </a:lnSpc>
+              <a:spcBef>
+                <a:spcPct val="20000"/>
+              </a:spcBef>
+              <a:spcAft>
+                <a:spcPct val="0"/>
+              </a:spcAft>
+              <a:buClr>
+                <a:srgbClr val="005481"/>
+              </a:buClr>
+              <a:buSzTx/>
+              <a:buFont typeface="Times" charset="0"/>
+              <a:buChar char="•"/>
+              <a:tabLst/>
+              <a:defRPr/>
+            </a:pPr>
             <a:endParaRPr lang="en-US" sz="2800" dirty="0">
               <a:effectLst/>
             </a:endParaRPr>
@@ -4639,6 +4641,12 @@
               <a:t>Designing for observability</a:t>
             </a:r>
           </a:p>
+          <a:p>
+            <a:r>
+              <a:rPr lang="en-US" dirty="0"/>
+              <a:t>Key questions</a:t>
+            </a:r>
+          </a:p>
         </p:txBody>
       </p:sp>
     </p:spTree>
@@ -4991,6 +4999,36 @@
               </a:rPr>
               <a:t>Designing for observability</a:t>
             </a:r>
+          </a:p>
+          <a:p>
+            <a:pPr>
+              <a:defRPr/>
+            </a:pPr>
+            <a:r>
+              <a:rPr lang="en-US" dirty="0"/>
+              <a:t>Key questions</a:t>
+            </a:r>
+          </a:p>
+          <a:p>
+            <a:pPr marL="342900" marR="0" lvl="0" indent="-342900" algn="l" defTabSz="914400" rtl="0" eaLnBrk="1" fontAlgn="base" latinLnBrk="0" hangingPunct="1">
+              <a:lnSpc>
+                <a:spcPct val="100000"/>
+              </a:lnSpc>
+              <a:spcBef>
+                <a:spcPct val="20000"/>
+              </a:spcBef>
+              <a:spcAft>
+                <a:spcPct val="0"/>
+              </a:spcAft>
+              <a:buClr>
+                <a:srgbClr val="005481"/>
+              </a:buClr>
+              <a:buSzTx/>
+              <a:buFont typeface="Times" charset="0"/>
+              <a:buChar char="•"/>
+              <a:tabLst/>
+              <a:defRPr/>
+            </a:pPr>
             <a:endParaRPr lang="en-US" sz="2800" dirty="0">
               <a:effectLst/>
             </a:endParaRPr>
@@ -5873,7 +5911,7 @@
               <a:defRPr/>
             </a:pPr>
             <a:r>
-              <a:rPr lang="en-US" sz="2800" b="0" dirty="0">
+              <a:rPr lang="en-US" sz="2800" b="1" dirty="0">
                 <a:solidFill>
                   <a:schemeClr val="tx1"/>
                 </a:solidFill>
@@ -5884,6 +5922,44 @@
               </a:rPr>
               <a:t>Designing for observability</a:t>
             </a:r>
+          </a:p>
+          <a:p>
+            <a:pPr>
+              <a:defRPr/>
+            </a:pPr>
+            <a:r>
+              <a:rPr lang="en-US" dirty="0"/>
+              <a:t>Key questions</a:t>
+            </a:r>
+          </a:p>
+          <a:p>
+            <a:pPr marL="0" marR="0" lvl="0" indent="0" algn="l" defTabSz="914400" rtl="0" eaLnBrk="1" fontAlgn="base" latinLnBrk="0" hangingPunct="1">
+              <a:lnSpc>
+                <a:spcPct val="100000"/>
+              </a:lnSpc>
+              <a:spcBef>
+                <a:spcPct val="20000"/>
+              </a:spcBef>
+              <a:spcAft>
+                <a:spcPct val="0"/>
+              </a:spcAft>
+              <a:buClr>
+                <a:srgbClr val="005481"/>
+              </a:buClr>
+              <a:buSzTx/>
+              <a:buNone/>
+              <a:tabLst/>
+              <a:defRPr/>
+            </a:pPr>
+            <a:endParaRPr lang="en-US" sz="2800" b="0" dirty="0">
+              <a:solidFill>
+                <a:schemeClr val="tx1"/>
+              </a:solidFill>
+              <a:effectLst/>
+              <a:latin typeface="+mn-lt"/>
+              <a:ea typeface="+mn-ea"/>
+              <a:cs typeface="+mn-cs"/>
+            </a:endParaRPr>
           </a:p>
         </p:txBody>
       </p:sp>
@@ -6357,8 +6433,12 @@
           </a:p>
           <a:p>
             <a:r>
-              <a:rPr lang="en-US" dirty="0"/>
-              <a:t>Send by back end specific plug in</a:t>
+              <a:rPr lang="en-US" dirty="0" err="1"/>
+              <a:t>Setd</a:t>
+            </a:r>
+            <a:r>
+              <a:rPr lang="en-US" dirty="0"/>
+              <a:t> by back end specific plug in</a:t>
             </a:r>
             <a:endParaRPr lang="en-US" baseline="0" dirty="0"/>
           </a:p>
@@ -6402,6 +6482,249 @@
           <p:cNvPr id="2" name="Title 1">
             <a:extLst>
               <a:ext uri="{FF2B5EF4-FFF2-40B4-BE49-F238E27FC236}">
+                <a16:creationId xmlns:a16="http://schemas.microsoft.com/office/drawing/2014/main" id="{0A5F6EB4-70CC-4327-95A7-5B19C2A116AC}"/>
+              </a:ext>
+            </a:extLst>
+          </p:cNvPr>
+          <p:cNvSpPr>
+            <a:spLocks noGrp="1"/>
+          </p:cNvSpPr>
+          <p:nvPr>
+            <p:ph type="title"/>
+          </p:nvPr>
+        </p:nvSpPr>
+        <p:spPr/>
+        <p:txBody>
+          <a:bodyPr/>
+          <a:lstStyle/>
+          <a:p>
+            <a:r>
+              <a:rPr lang="en-US" dirty="0"/>
+              <a:t>Outline</a:t>
+            </a:r>
+          </a:p>
+        </p:txBody>
+      </p:sp>
+      <p:sp>
+        <p:nvSpPr>
+          <p:cNvPr id="3" name="Content Placeholder 2">
+            <a:extLst>
+              <a:ext uri="{FF2B5EF4-FFF2-40B4-BE49-F238E27FC236}">
+                <a16:creationId xmlns:a16="http://schemas.microsoft.com/office/drawing/2014/main" id="{8D104752-81D2-4624-B845-5C28ECBB484C}"/>
+              </a:ext>
+            </a:extLst>
+          </p:cNvPr>
+          <p:cNvSpPr>
+            <a:spLocks noGrp="1"/>
+          </p:cNvSpPr>
+          <p:nvPr>
+            <p:ph idx="1"/>
+          </p:nvPr>
+        </p:nvSpPr>
+        <p:spPr/>
+        <p:txBody>
+          <a:bodyPr/>
+          <a:lstStyle/>
+          <a:p>
+            <a:r>
+              <a:rPr lang="en-US" b="0" dirty="0"/>
+              <a:t>Introduction</a:t>
+            </a:r>
+          </a:p>
+          <a:p>
+            <a:r>
+              <a:rPr lang="en-US" dirty="0"/>
+              <a:t>Utilization</a:t>
+            </a:r>
+          </a:p>
+          <a:p>
+            <a:r>
+              <a:rPr lang="en-US" dirty="0"/>
+              <a:t>Logging</a:t>
+            </a:r>
+          </a:p>
+          <a:p>
+            <a:r>
+              <a:rPr lang="en-US" b="0" dirty="0"/>
+              <a:t>Tracing</a:t>
+            </a:r>
+          </a:p>
+          <a:p>
+            <a:pPr marL="342900" marR="0" lvl="0" indent="-342900" algn="l" defTabSz="914400" rtl="0" eaLnBrk="1" fontAlgn="base" latinLnBrk="0" hangingPunct="1">
+              <a:lnSpc>
+                <a:spcPct val="100000"/>
+              </a:lnSpc>
+              <a:spcBef>
+                <a:spcPct val="20000"/>
+              </a:spcBef>
+              <a:spcAft>
+                <a:spcPct val="0"/>
+              </a:spcAft>
+              <a:buClr>
+                <a:srgbClr val="005481"/>
+              </a:buClr>
+              <a:buSzTx/>
+              <a:buFont typeface="Times" charset="0"/>
+              <a:buChar char="•"/>
+              <a:tabLst/>
+              <a:defRPr/>
+            </a:pPr>
+            <a:r>
+              <a:rPr lang="en-US" sz="2800" b="0" dirty="0">
+                <a:solidFill>
+                  <a:schemeClr val="tx1"/>
+                </a:solidFill>
+                <a:effectLst/>
+                <a:latin typeface="+mn-lt"/>
+                <a:ea typeface="+mn-ea"/>
+                <a:cs typeface="+mn-cs"/>
+              </a:rPr>
+              <a:t>Designing for observability</a:t>
+            </a:r>
+          </a:p>
+          <a:p>
+            <a:pPr>
+              <a:defRPr/>
+            </a:pPr>
+            <a:r>
+              <a:rPr lang="en-US" b="1" dirty="0"/>
+              <a:t>Key questions</a:t>
+            </a:r>
+          </a:p>
+        </p:txBody>
+      </p:sp>
+    </p:spTree>
+    <p:extLst>
+      <p:ext uri="{BB962C8B-B14F-4D97-AF65-F5344CB8AC3E}">
+        <p14:creationId xmlns:p14="http://schemas.microsoft.com/office/powerpoint/2010/main" val="2027417359"/>
+      </p:ext>
+    </p:extLst>
+  </p:cSld>
+  <p:clrMapOvr>
+    <a:masterClrMapping/>
+  </p:clrMapOvr>
+</p:sld>
+</file>
+
+<file path=ppt/slides/slide34.xml><?xml version="1.0" encoding="utf-8"?>
+<p:sld xmlns:a="http://schemas.openxmlformats.org/drawingml/2006/main" xmlns:r="http://schemas.openxmlformats.org/officeDocument/2006/relationships" xmlns:p="http://schemas.openxmlformats.org/presentationml/2006/main">
+  <p:cSld>
+    <p:spTree>
+      <p:nvGrpSpPr>
+        <p:cNvPr id="1" name=""/>
+        <p:cNvGrpSpPr/>
+        <p:nvPr/>
+      </p:nvGrpSpPr>
+      <p:grpSpPr>
+        <a:xfrm>
+          <a:off x="0" y="0"/>
+          <a:ext cx="0" cy="0"/>
+          <a:chOff x="0" y="0"/>
+          <a:chExt cx="0" cy="0"/>
+        </a:xfrm>
+      </p:grpSpPr>
+      <p:sp>
+        <p:nvSpPr>
+          <p:cNvPr id="2" name="Title 1">
+            <a:extLst>
+              <a:ext uri="{FF2B5EF4-FFF2-40B4-BE49-F238E27FC236}">
+                <a16:creationId xmlns:a16="http://schemas.microsoft.com/office/drawing/2014/main" id="{84F767D9-524A-7DF1-2144-4F58BF4B6331}"/>
+              </a:ext>
+            </a:extLst>
+          </p:cNvPr>
+          <p:cNvSpPr>
+            <a:spLocks noGrp="1"/>
+          </p:cNvSpPr>
+          <p:nvPr>
+            <p:ph type="title"/>
+          </p:nvPr>
+        </p:nvSpPr>
+        <p:spPr/>
+        <p:txBody>
+          <a:bodyPr/>
+          <a:lstStyle/>
+          <a:p>
+            <a:r>
+              <a:rPr lang="en-US" dirty="0"/>
+              <a:t>Key questions</a:t>
+            </a:r>
+          </a:p>
+        </p:txBody>
+      </p:sp>
+      <p:sp>
+        <p:nvSpPr>
+          <p:cNvPr id="3" name="Content Placeholder 2">
+            <a:extLst>
+              <a:ext uri="{FF2B5EF4-FFF2-40B4-BE49-F238E27FC236}">
+                <a16:creationId xmlns:a16="http://schemas.microsoft.com/office/drawing/2014/main" id="{86EF4226-52C7-836D-AE30-B5F1B0000E8F}"/>
+              </a:ext>
+            </a:extLst>
+          </p:cNvPr>
+          <p:cNvSpPr>
+            <a:spLocks noGrp="1"/>
+          </p:cNvSpPr>
+          <p:nvPr>
+            <p:ph idx="1"/>
+          </p:nvPr>
+        </p:nvSpPr>
+        <p:spPr/>
+        <p:txBody>
+          <a:bodyPr/>
+          <a:lstStyle/>
+          <a:p>
+            <a:r>
+              <a:rPr lang="en-US" dirty="0"/>
+              <a:t>Is all measurement data readily</a:t>
+            </a:r>
+            <a:r>
+              <a:rPr lang="en-US" baseline="0" dirty="0"/>
+              <a:t> available?</a:t>
+            </a:r>
+          </a:p>
+          <a:p>
+            <a:r>
+              <a:rPr lang="en-US" baseline="0" dirty="0"/>
+              <a:t>Can events be arranged sequentially?</a:t>
+            </a:r>
+            <a:endParaRPr lang="en-US" dirty="0"/>
+          </a:p>
+        </p:txBody>
+      </p:sp>
+    </p:spTree>
+    <p:extLst>
+      <p:ext uri="{BB962C8B-B14F-4D97-AF65-F5344CB8AC3E}">
+        <p14:creationId xmlns:p14="http://schemas.microsoft.com/office/powerpoint/2010/main" val="672611823"/>
+      </p:ext>
+    </p:extLst>
+  </p:cSld>
+  <p:clrMapOvr>
+    <a:masterClrMapping/>
+  </p:clrMapOvr>
+</p:sld>
+</file>
+
+<file path=ppt/slides/slide35.xml><?xml version="1.0" encoding="utf-8"?>
+<p:sld xmlns:a="http://schemas.openxmlformats.org/drawingml/2006/main" xmlns:r="http://schemas.openxmlformats.org/officeDocument/2006/relationships" xmlns:p="http://schemas.openxmlformats.org/presentationml/2006/main">
+  <p:cSld>
+    <p:spTree>
+      <p:nvGrpSpPr>
+        <p:cNvPr id="1" name=""/>
+        <p:cNvGrpSpPr/>
+        <p:nvPr/>
+      </p:nvGrpSpPr>
+      <p:grpSpPr>
+        <a:xfrm>
+          <a:off x="0" y="0"/>
+          <a:ext cx="0" cy="0"/>
+          <a:chOff x="0" y="0"/>
+          <a:chExt cx="0" cy="0"/>
+        </a:xfrm>
+      </p:grpSpPr>
+      <p:sp>
+        <p:nvSpPr>
+          <p:cNvPr id="2" name="Title 1">
+            <a:extLst>
+              <a:ext uri="{FF2B5EF4-FFF2-40B4-BE49-F238E27FC236}">
                 <a16:creationId xmlns:a16="http://schemas.microsoft.com/office/drawing/2014/main" id="{5D710504-1B90-4184-802E-48ED7CB94D1F}"/>
               </a:ext>
             </a:extLst>
@@ -6657,6 +6980,125 @@
         <p:spPr bwMode="auto">
           <a:xfrm>
             <a:off x="1447800" y="2057400"/>
+            <a:ext cx="1981200" cy="2590800"/>
+          </a:xfrm>
+          <a:prstGeom prst="ellipse">
+            <a:avLst/>
+          </a:prstGeom>
+          <a:solidFill>
+            <a:schemeClr val="accent1"/>
+          </a:solidFill>
+          <a:ln w="9525" cap="flat" cmpd="sng" algn="ctr">
+            <a:solidFill>
+              <a:schemeClr val="tx1"/>
+            </a:solidFill>
+            <a:prstDash val="solid"/>
+            <a:round/>
+            <a:headEnd type="none" w="med" len="med"/>
+            <a:tailEnd type="none" w="med" len="med"/>
+          </a:ln>
+          <a:effectLst/>
+          <a:extLst>
+            <a:ext uri="{AF507438-7753-43e0-B8FC-AC1667EBCBE1}">
+              <a14:hiddenEffects xmlns:a14="http://schemas.microsoft.com/office/drawing/2010/main" xmlns="">
+                <a:effectLst>
+                  <a:outerShdw blurRad="63500" dist="38099" dir="2700000" algn="ctr" rotWithShape="0">
+                    <a:schemeClr val="bg2">
+                      <a:alpha val="74998"/>
+                    </a:schemeClr>
+                  </a:outerShdw>
+                </a:effectLst>
+              </a14:hiddenEffects>
+            </a:ext>
+          </a:extLst>
+        </p:spPr>
+        <p:txBody>
+          <a:bodyPr vert="horz" wrap="square" lIns="91440" tIns="45720" rIns="91440" bIns="45720" numCol="1" rtlCol="0" anchor="t" anchorCtr="0" compatLnSpc="1">
+            <a:prstTxWarp prst="textNoShape">
+              <a:avLst/>
+            </a:prstTxWarp>
+          </a:bodyPr>
+          <a:lstStyle/>
+          <a:p>
+            <a:pPr marL="0" marR="0" indent="0" algn="l" defTabSz="914400" rtl="0" eaLnBrk="0" fontAlgn="base" latinLnBrk="0" hangingPunct="0">
+              <a:lnSpc>
+                <a:spcPct val="100000"/>
+              </a:lnSpc>
+              <a:spcBef>
+                <a:spcPct val="0"/>
+              </a:spcBef>
+              <a:spcAft>
+                <a:spcPct val="0"/>
+              </a:spcAft>
+              <a:buClrTx/>
+              <a:buSzTx/>
+              <a:buFontTx/>
+              <a:buNone/>
+              <a:tabLst/>
+            </a:pPr>
+            <a:endParaRPr kumimoji="0" lang="en-US" sz="2400" b="0" i="0" u="none" strike="noStrike" cap="none" normalizeH="0" baseline="0" dirty="0">
+              <a:ln>
+                <a:noFill/>
+              </a:ln>
+              <a:solidFill>
+                <a:srgbClr val="000000"/>
+              </a:solidFill>
+              <a:effectLst/>
+              <a:latin typeface="Times" charset="0"/>
+              <a:ea typeface="Osaka" charset="0"/>
+              <a:cs typeface="Osaka" charset="0"/>
+            </a:endParaRPr>
+          </a:p>
+          <a:p>
+            <a:pPr marL="0" marR="0" indent="0" algn="l" defTabSz="914400" rtl="0" eaLnBrk="0" fontAlgn="base" latinLnBrk="0" hangingPunct="0">
+              <a:lnSpc>
+                <a:spcPct val="100000"/>
+              </a:lnSpc>
+              <a:spcBef>
+                <a:spcPct val="0"/>
+              </a:spcBef>
+              <a:spcAft>
+                <a:spcPct val="0"/>
+              </a:spcAft>
+              <a:buClrTx/>
+              <a:buSzTx/>
+              <a:buFontTx/>
+              <a:buNone/>
+              <a:tabLst/>
+            </a:pPr>
+            <a:r>
+              <a:rPr kumimoji="0" lang="en-US" sz="2400" b="0" i="0" u="none" strike="noStrike" cap="none" normalizeH="0" baseline="0" dirty="0">
+                <a:ln>
+                  <a:noFill/>
+                </a:ln>
+                <a:solidFill>
+                  <a:srgbClr val="000000"/>
+                </a:solidFill>
+                <a:effectLst/>
+                <a:latin typeface="Times" charset="0"/>
+                <a:ea typeface="Osaka" charset="0"/>
+                <a:cs typeface="Osaka" charset="0"/>
+              </a:rPr>
+              <a:t>Running system</a:t>
+            </a:r>
+          </a:p>
+        </p:txBody>
+      </p:sp>
+      <p:sp>
+        <p:nvSpPr>
+          <p:cNvPr id="6" name="Oval 5">
+            <a:extLst>
+              <a:ext uri="{FF2B5EF4-FFF2-40B4-BE49-F238E27FC236}">
+                <a16:creationId xmlns:a16="http://schemas.microsoft.com/office/drawing/2014/main" id="{8E7BE555-786B-4B7B-BE25-611A61BB1FE5}"/>
+              </a:ext>
+            </a:extLst>
+          </p:cNvPr>
+          <p:cNvSpPr/>
+          <p:nvPr/>
+        </p:nvSpPr>
+        <p:spPr bwMode="auto">
+          <a:xfrm>
+            <a:off x="5705475" y="2057400"/>
             <a:ext cx="1981200" cy="2590800"/>
           </a:xfrm>
           <a:prstGeom prst="ellipse">
@@ -6713,125 +7155,6 @@
               <a:buNone/>
               <a:tabLst/>
             </a:pPr>
-            <a:endParaRPr kumimoji="0" lang="en-US" sz="2400" b="0" i="0" u="none" strike="noStrike" cap="none" normalizeH="0" baseline="0" dirty="0">
-              <a:ln>
-                <a:noFill/>
-              </a:ln>
-              <a:solidFill>
-                <a:srgbClr val="000000"/>
-              </a:solidFill>
-              <a:effectLst/>
-              <a:latin typeface="Times" charset="0"/>
-              <a:ea typeface="Osaka" charset="0"/>
-              <a:cs typeface="Osaka" charset="0"/>
-            </a:endParaRPr>
-          </a:p>
-          <a:p>
-            <a:pPr marL="0" marR="0" indent="0" algn="l" defTabSz="914400" rtl="0" eaLnBrk="0" fontAlgn="base" latinLnBrk="0" hangingPunct="0">
-              <a:lnSpc>
-                <a:spcPct val="100000"/>
-              </a:lnSpc>
-              <a:spcBef>
-                <a:spcPct val="0"/>
-              </a:spcBef>
-              <a:spcAft>
-                <a:spcPct val="0"/>
-              </a:spcAft>
-              <a:buClrTx/>
-              <a:buSzTx/>
-              <a:buFontTx/>
-              <a:buNone/>
-              <a:tabLst/>
-            </a:pPr>
-            <a:r>
-              <a:rPr kumimoji="0" lang="en-US" sz="2400" b="0" i="0" u="none" strike="noStrike" cap="none" normalizeH="0" baseline="0" dirty="0">
-                <a:ln>
-                  <a:noFill/>
-                </a:ln>
-                <a:solidFill>
-                  <a:srgbClr val="000000"/>
-                </a:solidFill>
-                <a:effectLst/>
-                <a:latin typeface="Times" charset="0"/>
-                <a:ea typeface="Osaka" charset="0"/>
-                <a:cs typeface="Osaka" charset="0"/>
-              </a:rPr>
-              <a:t>Running system</a:t>
-            </a:r>
-          </a:p>
-        </p:txBody>
-      </p:sp>
-      <p:sp>
-        <p:nvSpPr>
-          <p:cNvPr id="6" name="Oval 5">
-            <a:extLst>
-              <a:ext uri="{FF2B5EF4-FFF2-40B4-BE49-F238E27FC236}">
-                <a16:creationId xmlns:a16="http://schemas.microsoft.com/office/drawing/2014/main" id="{8E7BE555-786B-4B7B-BE25-611A61BB1FE5}"/>
-              </a:ext>
-            </a:extLst>
-          </p:cNvPr>
-          <p:cNvSpPr/>
-          <p:nvPr/>
-        </p:nvSpPr>
-        <p:spPr bwMode="auto">
-          <a:xfrm>
-            <a:off x="5705475" y="2057400"/>
-            <a:ext cx="1981200" cy="2590800"/>
-          </a:xfrm>
-          <a:prstGeom prst="ellipse">
-            <a:avLst/>
-          </a:prstGeom>
-          <a:solidFill>
-            <a:schemeClr val="accent1"/>
-          </a:solidFill>
-          <a:ln w="9525" cap="flat" cmpd="sng" algn="ctr">
-            <a:solidFill>
-              <a:schemeClr val="tx1"/>
-            </a:solidFill>
-            <a:prstDash val="solid"/>
-            <a:round/>
-            <a:headEnd type="none" w="med" len="med"/>
-            <a:tailEnd type="none" w="med" len="med"/>
-          </a:ln>
-          <a:effectLst/>
-          <a:extLst>
-            <a:ext uri="{AF507438-7753-43e0-B8FC-AC1667EBCBE1}">
-              <a14:hiddenEffects xmlns:a14="http://schemas.microsoft.com/office/drawing/2010/main" xmlns="">
-                <a:effectLst>
-                  <a:outerShdw blurRad="63500" dist="38099" dir="2700000" algn="ctr" rotWithShape="0">
-                    <a:schemeClr val="bg2">
-                      <a:alpha val="74998"/>
-                    </a:schemeClr>
-                  </a:outerShdw>
-                </a:effectLst>
-              </a14:hiddenEffects>
-            </a:ext>
-          </a:extLst>
-        </p:spPr>
-        <p:txBody>
-          <a:bodyPr vert="horz" wrap="square" lIns="91440" tIns="45720" rIns="91440" bIns="45720" numCol="1" rtlCol="0" anchor="t" anchorCtr="0" compatLnSpc="1">
-            <a:prstTxWarp prst="textNoShape">
-              <a:avLst/>
-            </a:prstTxWarp>
-          </a:bodyPr>
-          <a:lstStyle/>
-          <a:p>
-            <a:pPr marL="0" marR="0" indent="0" algn="l" defTabSz="914400" rtl="0" eaLnBrk="0" fontAlgn="base" latinLnBrk="0" hangingPunct="0">
-              <a:lnSpc>
-                <a:spcPct val="100000"/>
-              </a:lnSpc>
-              <a:spcBef>
-                <a:spcPct val="0"/>
-              </a:spcBef>
-              <a:spcAft>
-                <a:spcPct val="0"/>
-              </a:spcAft>
-              <a:buClrTx/>
-              <a:buSzTx/>
-              <a:buFontTx/>
-              <a:buNone/>
-              <a:tabLst/>
-            </a:pPr>
             <a:endParaRPr lang="en-US" sz="2400" dirty="0">
               <a:solidFill>
                 <a:srgbClr val="000000"/>
@@ -6919,7 +7242,7 @@
           <a:effectLst/>
           <a:extLst>
             <a:ext uri="{AF507438-7753-43e0-B8FC-AC1667EBCBE1}">
-              <a14:hiddenEffects xmlns="" xmlns:a14="http://schemas.microsoft.com/office/drawing/2010/main">
+              <a14:hiddenEffects xmlns:a14="http://schemas.microsoft.com/office/drawing/2010/main" xmlns="">
                 <a:effectLst>
                   <a:outerShdw blurRad="63500" dist="38099" dir="2700000" algn="ctr" rotWithShape="0">
                     <a:schemeClr val="bg2">
@@ -7591,6 +7914,36 @@
               </a:rPr>
               <a:t>Designing for observability</a:t>
             </a:r>
+          </a:p>
+          <a:p>
+            <a:pPr>
+              <a:defRPr/>
+            </a:pPr>
+            <a:r>
+              <a:rPr lang="en-US" dirty="0"/>
+              <a:t>Key questions</a:t>
+            </a:r>
+          </a:p>
+          <a:p>
+            <a:pPr marL="342900" marR="0" lvl="0" indent="-342900" algn="l" defTabSz="914400" rtl="0" eaLnBrk="1" fontAlgn="base" latinLnBrk="0" hangingPunct="1">
+              <a:lnSpc>
+                <a:spcPct val="100000"/>
+              </a:lnSpc>
+              <a:spcBef>
+                <a:spcPct val="20000"/>
+              </a:spcBef>
+              <a:spcAft>
+                <a:spcPct val="0"/>
+              </a:spcAft>
+              <a:buClr>
+                <a:srgbClr val="005481"/>
+              </a:buClr>
+              <a:buSzTx/>
+              <a:buFont typeface="Times" charset="0"/>
+              <a:buChar char="•"/>
+              <a:tabLst/>
+              <a:defRPr/>
+            </a:pPr>
             <a:endParaRPr lang="en-US" sz="2800" dirty="0">
               <a:effectLst/>
             </a:endParaRPr>
@@ -7998,7 +8351,7 @@
         <a:effectLst/>
         <a:extLst>
           <a:ext uri="{AF507438-7753-43e0-B8FC-AC1667EBCBE1}">
-            <a14:hiddenEffects xmlns="" xmlns:a14="http://schemas.microsoft.com/office/drawing/2010/main">
+            <a14:hiddenEffects xmlns:a14="http://schemas.microsoft.com/office/drawing/2010/main" xmlns="">
               <a:effectLst>
                 <a:outerShdw blurRad="63500" dist="38099" dir="2700000" algn="ctr" rotWithShape="0">
                   <a:schemeClr val="bg2">
@@ -8075,7 +8428,7 @@
         <a:effectLst/>
         <a:extLst>
           <a:ext uri="{AF507438-7753-43e0-B8FC-AC1667EBCBE1}">
-            <a14:hiddenEffects xmlns="" xmlns:a14="http://schemas.microsoft.com/office/drawing/2010/main">
+            <a14:hiddenEffects xmlns:a14="http://schemas.microsoft.com/office/drawing/2010/main" xmlns="">
               <a:effectLst>
                 <a:outerShdw blurRad="63500" dist="38099" dir="2700000" algn="ctr" rotWithShape="0">
                   <a:schemeClr val="bg2">
